--- a/古嚴寺影音逐字稿.pptx
+++ b/古嚴寺影音逐字稿.pptx
@@ -4,11 +4,15 @@
   <p:sldMasterIdLst>
     <p:sldMasterId id="2147483648" r:id="rId1"/>
   </p:sldMasterIdLst>
+  <p:notesMasterIdLst>
+    <p:notesMasterId r:id="rId7"/>
+  </p:notesMasterIdLst>
   <p:sldIdLst>
     <p:sldId id="256" r:id="rId2"/>
     <p:sldId id="257" r:id="rId3"/>
     <p:sldId id="258" r:id="rId4"/>
     <p:sldId id="259" r:id="rId5"/>
+    <p:sldId id="260" r:id="rId6"/>
   </p:sldIdLst>
   <p:sldSz cx="12192000" cy="6858000"/>
   <p:notesSz cx="6858000" cy="9144000"/>
@@ -126,6 +130,355 @@
 </p:presentation>
 </file>
 
+<file path=ppt/notesMasters/notesMaster1.xml><?xml version="1.0" encoding="utf-8"?>
+<p:notesMaster xmlns:a="http://schemas.openxmlformats.org/drawingml/2006/main" xmlns:r="http://schemas.openxmlformats.org/officeDocument/2006/relationships" xmlns:p="http://schemas.openxmlformats.org/presentationml/2006/main">
+  <p:cSld>
+    <p:bg>
+      <p:bgRef idx="1001">
+        <a:schemeClr val="bg1"/>
+      </p:bgRef>
+    </p:bg>
+    <p:spTree>
+      <p:nvGrpSpPr>
+        <p:cNvPr id="1" name=""/>
+        <p:cNvGrpSpPr/>
+        <p:nvPr/>
+      </p:nvGrpSpPr>
+      <p:grpSpPr>
+        <a:xfrm>
+          <a:off x="0" y="0"/>
+          <a:ext cx="0" cy="0"/>
+          <a:chOff x="0" y="0"/>
+          <a:chExt cx="0" cy="0"/>
+        </a:xfrm>
+      </p:grpSpPr>
+      <p:sp>
+        <p:nvSpPr>
+          <p:cNvPr id="2" name="頁首版面配置區 1"/>
+          <p:cNvSpPr>
+            <a:spLocks noGrp="1"/>
+          </p:cNvSpPr>
+          <p:nvPr>
+            <p:ph type="hdr" sz="quarter"/>
+          </p:nvPr>
+        </p:nvSpPr>
+        <p:spPr>
+          <a:xfrm>
+            <a:off x="0" y="0"/>
+            <a:ext cx="2971800" cy="458788"/>
+          </a:xfrm>
+          <a:prstGeom prst="rect">
+            <a:avLst/>
+          </a:prstGeom>
+        </p:spPr>
+        <p:txBody>
+          <a:bodyPr vert="horz" lIns="91440" tIns="45720" rIns="91440" bIns="45720" rtlCol="0"/>
+          <a:lstStyle>
+            <a:lvl1pPr algn="l">
+              <a:defRPr sz="1200"/>
+            </a:lvl1pPr>
+          </a:lstStyle>
+          <a:p>
+            <a:endParaRPr lang="zh-TW" altLang="en-US"/>
+          </a:p>
+        </p:txBody>
+      </p:sp>
+      <p:sp>
+        <p:nvSpPr>
+          <p:cNvPr id="3" name="日期版面配置區 2"/>
+          <p:cNvSpPr>
+            <a:spLocks noGrp="1"/>
+          </p:cNvSpPr>
+          <p:nvPr>
+            <p:ph type="dt" idx="1"/>
+          </p:nvPr>
+        </p:nvSpPr>
+        <p:spPr>
+          <a:xfrm>
+            <a:off x="3884613" y="0"/>
+            <a:ext cx="2971800" cy="458788"/>
+          </a:xfrm>
+          <a:prstGeom prst="rect">
+            <a:avLst/>
+          </a:prstGeom>
+        </p:spPr>
+        <p:txBody>
+          <a:bodyPr vert="horz" lIns="91440" tIns="45720" rIns="91440" bIns="45720" rtlCol="0"/>
+          <a:lstStyle>
+            <a:lvl1pPr algn="r">
+              <a:defRPr sz="1200"/>
+            </a:lvl1pPr>
+          </a:lstStyle>
+          <a:p>
+            <a:fld id="{6A7574EB-902E-41B9-87A8-AF5C59983E90}" type="datetimeFigureOut">
+              <a:rPr lang="zh-TW" altLang="en-US" smtClean="0"/>
+              <a:t>2023/8/4</a:t>
+            </a:fld>
+            <a:endParaRPr lang="zh-TW" altLang="en-US"/>
+          </a:p>
+        </p:txBody>
+      </p:sp>
+      <p:sp>
+        <p:nvSpPr>
+          <p:cNvPr id="4" name="投影片影像版面配置區 3"/>
+          <p:cNvSpPr>
+            <a:spLocks noGrp="1" noRot="1" noChangeAspect="1"/>
+          </p:cNvSpPr>
+          <p:nvPr>
+            <p:ph type="sldImg" idx="2"/>
+          </p:nvPr>
+        </p:nvSpPr>
+        <p:spPr>
+          <a:xfrm>
+            <a:off x="685800" y="1143000"/>
+            <a:ext cx="5486400" cy="3086100"/>
+          </a:xfrm>
+          <a:prstGeom prst="rect">
+            <a:avLst/>
+          </a:prstGeom>
+          <a:noFill/>
+          <a:ln w="12700">
+            <a:solidFill>
+              <a:prstClr val="black"/>
+            </a:solidFill>
+          </a:ln>
+        </p:spPr>
+        <p:txBody>
+          <a:bodyPr vert="horz" lIns="91440" tIns="45720" rIns="91440" bIns="45720" rtlCol="0" anchor="ctr"/>
+          <a:lstStyle/>
+          <a:p>
+            <a:endParaRPr lang="zh-TW" altLang="en-US"/>
+          </a:p>
+        </p:txBody>
+      </p:sp>
+      <p:sp>
+        <p:nvSpPr>
+          <p:cNvPr id="5" name="備忘稿版面配置區 4"/>
+          <p:cNvSpPr>
+            <a:spLocks noGrp="1"/>
+          </p:cNvSpPr>
+          <p:nvPr>
+            <p:ph type="body" sz="quarter" idx="3"/>
+          </p:nvPr>
+        </p:nvSpPr>
+        <p:spPr>
+          <a:xfrm>
+            <a:off x="685800" y="4400550"/>
+            <a:ext cx="5486400" cy="3600450"/>
+          </a:xfrm>
+          <a:prstGeom prst="rect">
+            <a:avLst/>
+          </a:prstGeom>
+        </p:spPr>
+        <p:txBody>
+          <a:bodyPr vert="horz" lIns="91440" tIns="45720" rIns="91440" bIns="45720" rtlCol="0"/>
+          <a:lstStyle/>
+          <a:p>
+            <a:pPr lvl="0"/>
+            <a:r>
+              <a:rPr lang="zh-TW" altLang="en-US"/>
+              <a:t>按一下以編輯母片文字樣式</a:t>
+            </a:r>
+          </a:p>
+          <a:p>
+            <a:pPr lvl="1"/>
+            <a:r>
+              <a:rPr lang="zh-TW" altLang="en-US"/>
+              <a:t>第二層</a:t>
+            </a:r>
+          </a:p>
+          <a:p>
+            <a:pPr lvl="2"/>
+            <a:r>
+              <a:rPr lang="zh-TW" altLang="en-US"/>
+              <a:t>第三層</a:t>
+            </a:r>
+          </a:p>
+          <a:p>
+            <a:pPr lvl="3"/>
+            <a:r>
+              <a:rPr lang="zh-TW" altLang="en-US"/>
+              <a:t>第四層</a:t>
+            </a:r>
+          </a:p>
+          <a:p>
+            <a:pPr lvl="4"/>
+            <a:r>
+              <a:rPr lang="zh-TW" altLang="en-US"/>
+              <a:t>第五層</a:t>
+            </a:r>
+          </a:p>
+        </p:txBody>
+      </p:sp>
+      <p:sp>
+        <p:nvSpPr>
+          <p:cNvPr id="6" name="頁尾版面配置區 5"/>
+          <p:cNvSpPr>
+            <a:spLocks noGrp="1"/>
+          </p:cNvSpPr>
+          <p:nvPr>
+            <p:ph type="ftr" sz="quarter" idx="4"/>
+          </p:nvPr>
+        </p:nvSpPr>
+        <p:spPr>
+          <a:xfrm>
+            <a:off x="0" y="8685213"/>
+            <a:ext cx="2971800" cy="458787"/>
+          </a:xfrm>
+          <a:prstGeom prst="rect">
+            <a:avLst/>
+          </a:prstGeom>
+        </p:spPr>
+        <p:txBody>
+          <a:bodyPr vert="horz" lIns="91440" tIns="45720" rIns="91440" bIns="45720" rtlCol="0" anchor="b"/>
+          <a:lstStyle>
+            <a:lvl1pPr algn="l">
+              <a:defRPr sz="1200"/>
+            </a:lvl1pPr>
+          </a:lstStyle>
+          <a:p>
+            <a:endParaRPr lang="zh-TW" altLang="en-US"/>
+          </a:p>
+        </p:txBody>
+      </p:sp>
+      <p:sp>
+        <p:nvSpPr>
+          <p:cNvPr id="7" name="投影片編號版面配置區 6"/>
+          <p:cNvSpPr>
+            <a:spLocks noGrp="1"/>
+          </p:cNvSpPr>
+          <p:nvPr>
+            <p:ph type="sldNum" sz="quarter" idx="5"/>
+          </p:nvPr>
+        </p:nvSpPr>
+        <p:spPr>
+          <a:xfrm>
+            <a:off x="3884613" y="8685213"/>
+            <a:ext cx="2971800" cy="458787"/>
+          </a:xfrm>
+          <a:prstGeom prst="rect">
+            <a:avLst/>
+          </a:prstGeom>
+        </p:spPr>
+        <p:txBody>
+          <a:bodyPr vert="horz" lIns="91440" tIns="45720" rIns="91440" bIns="45720" rtlCol="0" anchor="b"/>
+          <a:lstStyle>
+            <a:lvl1pPr algn="r">
+              <a:defRPr sz="1200"/>
+            </a:lvl1pPr>
+          </a:lstStyle>
+          <a:p>
+            <a:fld id="{D254DB34-F237-4DC4-807A-B795F09909D0}" type="slidenum">
+              <a:rPr lang="zh-TW" altLang="en-US" smtClean="0"/>
+              <a:t>‹#›</a:t>
+            </a:fld>
+            <a:endParaRPr lang="zh-TW" altLang="en-US"/>
+          </a:p>
+        </p:txBody>
+      </p:sp>
+    </p:spTree>
+    <p:extLst>
+      <p:ext uri="{BB962C8B-B14F-4D97-AF65-F5344CB8AC3E}">
+        <p14:creationId xmlns:p14="http://schemas.microsoft.com/office/powerpoint/2010/main" val="3402299579"/>
+      </p:ext>
+    </p:extLst>
+  </p:cSld>
+  <p:clrMap bg1="lt1" tx1="dk1" bg2="lt2" tx2="dk2" accent1="accent1" accent2="accent2" accent3="accent3" accent4="accent4" accent5="accent5" accent6="accent6" hlink="hlink" folHlink="folHlink"/>
+  <p:notesStyle>
+    <a:lvl1pPr marL="0" algn="l" defTabSz="914400" rtl="0" eaLnBrk="1" latinLnBrk="0" hangingPunct="1">
+      <a:defRPr sz="1200" kern="1200">
+        <a:solidFill>
+          <a:schemeClr val="tx1"/>
+        </a:solidFill>
+        <a:latin typeface="+mn-lt"/>
+        <a:ea typeface="+mn-ea"/>
+        <a:cs typeface="+mn-cs"/>
+      </a:defRPr>
+    </a:lvl1pPr>
+    <a:lvl2pPr marL="457200" algn="l" defTabSz="914400" rtl="0" eaLnBrk="1" latinLnBrk="0" hangingPunct="1">
+      <a:defRPr sz="1200" kern="1200">
+        <a:solidFill>
+          <a:schemeClr val="tx1"/>
+        </a:solidFill>
+        <a:latin typeface="+mn-lt"/>
+        <a:ea typeface="+mn-ea"/>
+        <a:cs typeface="+mn-cs"/>
+      </a:defRPr>
+    </a:lvl2pPr>
+    <a:lvl3pPr marL="914400" algn="l" defTabSz="914400" rtl="0" eaLnBrk="1" latinLnBrk="0" hangingPunct="1">
+      <a:defRPr sz="1200" kern="1200">
+        <a:solidFill>
+          <a:schemeClr val="tx1"/>
+        </a:solidFill>
+        <a:latin typeface="+mn-lt"/>
+        <a:ea typeface="+mn-ea"/>
+        <a:cs typeface="+mn-cs"/>
+      </a:defRPr>
+    </a:lvl3pPr>
+    <a:lvl4pPr marL="1371600" algn="l" defTabSz="914400" rtl="0" eaLnBrk="1" latinLnBrk="0" hangingPunct="1">
+      <a:defRPr sz="1200" kern="1200">
+        <a:solidFill>
+          <a:schemeClr val="tx1"/>
+        </a:solidFill>
+        <a:latin typeface="+mn-lt"/>
+        <a:ea typeface="+mn-ea"/>
+        <a:cs typeface="+mn-cs"/>
+      </a:defRPr>
+    </a:lvl4pPr>
+    <a:lvl5pPr marL="1828800" algn="l" defTabSz="914400" rtl="0" eaLnBrk="1" latinLnBrk="0" hangingPunct="1">
+      <a:defRPr sz="1200" kern="1200">
+        <a:solidFill>
+          <a:schemeClr val="tx1"/>
+        </a:solidFill>
+        <a:latin typeface="+mn-lt"/>
+        <a:ea typeface="+mn-ea"/>
+        <a:cs typeface="+mn-cs"/>
+      </a:defRPr>
+    </a:lvl5pPr>
+    <a:lvl6pPr marL="2286000" algn="l" defTabSz="914400" rtl="0" eaLnBrk="1" latinLnBrk="0" hangingPunct="1">
+      <a:defRPr sz="1200" kern="1200">
+        <a:solidFill>
+          <a:schemeClr val="tx1"/>
+        </a:solidFill>
+        <a:latin typeface="+mn-lt"/>
+        <a:ea typeface="+mn-ea"/>
+        <a:cs typeface="+mn-cs"/>
+      </a:defRPr>
+    </a:lvl6pPr>
+    <a:lvl7pPr marL="2743200" algn="l" defTabSz="914400" rtl="0" eaLnBrk="1" latinLnBrk="0" hangingPunct="1">
+      <a:defRPr sz="1200" kern="1200">
+        <a:solidFill>
+          <a:schemeClr val="tx1"/>
+        </a:solidFill>
+        <a:latin typeface="+mn-lt"/>
+        <a:ea typeface="+mn-ea"/>
+        <a:cs typeface="+mn-cs"/>
+      </a:defRPr>
+    </a:lvl7pPr>
+    <a:lvl8pPr marL="3200400" algn="l" defTabSz="914400" rtl="0" eaLnBrk="1" latinLnBrk="0" hangingPunct="1">
+      <a:defRPr sz="1200" kern="1200">
+        <a:solidFill>
+          <a:schemeClr val="tx1"/>
+        </a:solidFill>
+        <a:latin typeface="+mn-lt"/>
+        <a:ea typeface="+mn-ea"/>
+        <a:cs typeface="+mn-cs"/>
+      </a:defRPr>
+    </a:lvl8pPr>
+    <a:lvl9pPr marL="3657600" algn="l" defTabSz="914400" rtl="0" eaLnBrk="1" latinLnBrk="0" hangingPunct="1">
+      <a:defRPr sz="1200" kern="1200">
+        <a:solidFill>
+          <a:schemeClr val="tx1"/>
+        </a:solidFill>
+        <a:latin typeface="+mn-lt"/>
+        <a:ea typeface="+mn-ea"/>
+        <a:cs typeface="+mn-cs"/>
+      </a:defRPr>
+    </a:lvl9pPr>
+  </p:notesStyle>
+</p:notesMaster>
+</file>
+
 <file path=ppt/slideLayouts/slideLayout1.xml><?xml version="1.0" encoding="utf-8"?>
 <p:sldLayout xmlns:a="http://schemas.openxmlformats.org/drawingml/2006/main" xmlns:r="http://schemas.openxmlformats.org/officeDocument/2006/relationships" xmlns:p="http://schemas.openxmlformats.org/presentationml/2006/main" type="title" preserve="1">
   <p:cSld name="標題投影片">
@@ -271,9 +624,9 @@
           <a:bodyPr/>
           <a:lstStyle/>
           <a:p>
-            <a:fld id="{576EAE4A-AC68-4EB7-88C1-44DE484F3D07}" type="datetimeFigureOut">
+            <a:fld id="{7A803C90-F818-40F0-A55E-99CCE2ADDCA5}" type="datetime1">
               <a:rPr lang="zh-TW" altLang="en-US" smtClean="0"/>
-              <a:t>2023/8/3</a:t>
+              <a:t>2023/8/4</a:t>
             </a:fld>
             <a:endParaRPr lang="zh-TW" altLang="en-US"/>
           </a:p>
@@ -469,9 +822,9 @@
           <a:bodyPr/>
           <a:lstStyle/>
           <a:p>
-            <a:fld id="{576EAE4A-AC68-4EB7-88C1-44DE484F3D07}" type="datetimeFigureOut">
+            <a:fld id="{AE654637-3084-4F81-86D4-5D26B1FD01C2}" type="datetime1">
               <a:rPr lang="zh-TW" altLang="en-US" smtClean="0"/>
-              <a:t>2023/8/3</a:t>
+              <a:t>2023/8/4</a:t>
             </a:fld>
             <a:endParaRPr lang="zh-TW" altLang="en-US"/>
           </a:p>
@@ -677,9 +1030,9 @@
           <a:bodyPr/>
           <a:lstStyle/>
           <a:p>
-            <a:fld id="{576EAE4A-AC68-4EB7-88C1-44DE484F3D07}" type="datetimeFigureOut">
+            <a:fld id="{70D72076-CACA-4FB7-92A5-F1583B88EBC4}" type="datetime1">
               <a:rPr lang="zh-TW" altLang="en-US" smtClean="0"/>
-              <a:t>2023/8/3</a:t>
+              <a:t>2023/8/4</a:t>
             </a:fld>
             <a:endParaRPr lang="zh-TW" altLang="en-US"/>
           </a:p>
@@ -875,9 +1228,9 @@
           <a:bodyPr/>
           <a:lstStyle/>
           <a:p>
-            <a:fld id="{576EAE4A-AC68-4EB7-88C1-44DE484F3D07}" type="datetimeFigureOut">
+            <a:fld id="{39A23A82-AD3B-4373-8AE5-EB6A5706FD24}" type="datetime1">
               <a:rPr lang="zh-TW" altLang="en-US" smtClean="0"/>
-              <a:t>2023/8/3</a:t>
+              <a:t>2023/8/4</a:t>
             </a:fld>
             <a:endParaRPr lang="zh-TW" altLang="en-US"/>
           </a:p>
@@ -1150,9 +1503,9 @@
           <a:bodyPr/>
           <a:lstStyle/>
           <a:p>
-            <a:fld id="{576EAE4A-AC68-4EB7-88C1-44DE484F3D07}" type="datetimeFigureOut">
+            <a:fld id="{586312EE-2FA2-4B77-B448-AE78B7932239}" type="datetime1">
               <a:rPr lang="zh-TW" altLang="en-US" smtClean="0"/>
-              <a:t>2023/8/3</a:t>
+              <a:t>2023/8/4</a:t>
             </a:fld>
             <a:endParaRPr lang="zh-TW" altLang="en-US"/>
           </a:p>
@@ -1415,9 +1768,9 @@
           <a:bodyPr/>
           <a:lstStyle/>
           <a:p>
-            <a:fld id="{576EAE4A-AC68-4EB7-88C1-44DE484F3D07}" type="datetimeFigureOut">
+            <a:fld id="{875AF1F2-C880-4246-8E52-8131BAF1E75F}" type="datetime1">
               <a:rPr lang="zh-TW" altLang="en-US" smtClean="0"/>
-              <a:t>2023/8/3</a:t>
+              <a:t>2023/8/4</a:t>
             </a:fld>
             <a:endParaRPr lang="zh-TW" altLang="en-US"/>
           </a:p>
@@ -1827,9 +2180,9 @@
           <a:bodyPr/>
           <a:lstStyle/>
           <a:p>
-            <a:fld id="{576EAE4A-AC68-4EB7-88C1-44DE484F3D07}" type="datetimeFigureOut">
+            <a:fld id="{F44ADA36-1B8C-4A3B-B933-98AAA20C2A3B}" type="datetime1">
               <a:rPr lang="zh-TW" altLang="en-US" smtClean="0"/>
-              <a:t>2023/8/3</a:t>
+              <a:t>2023/8/4</a:t>
             </a:fld>
             <a:endParaRPr lang="zh-TW" altLang="en-US"/>
           </a:p>
@@ -1968,9 +2321,9 @@
           <a:bodyPr/>
           <a:lstStyle/>
           <a:p>
-            <a:fld id="{576EAE4A-AC68-4EB7-88C1-44DE484F3D07}" type="datetimeFigureOut">
+            <a:fld id="{14FA6CB4-53C2-4F7A-9435-C02668BD6656}" type="datetime1">
               <a:rPr lang="zh-TW" altLang="en-US" smtClean="0"/>
-              <a:t>2023/8/3</a:t>
+              <a:t>2023/8/4</a:t>
             </a:fld>
             <a:endParaRPr lang="zh-TW" altLang="en-US"/>
           </a:p>
@@ -2081,9 +2434,9 @@
           <a:bodyPr/>
           <a:lstStyle/>
           <a:p>
-            <a:fld id="{576EAE4A-AC68-4EB7-88C1-44DE484F3D07}" type="datetimeFigureOut">
+            <a:fld id="{E232188F-05DA-42C4-B1BE-248CBD3B705D}" type="datetime1">
               <a:rPr lang="zh-TW" altLang="en-US" smtClean="0"/>
-              <a:t>2023/8/3</a:t>
+              <a:t>2023/8/4</a:t>
             </a:fld>
             <a:endParaRPr lang="zh-TW" altLang="en-US"/>
           </a:p>
@@ -2392,9 +2745,9 @@
           <a:bodyPr/>
           <a:lstStyle/>
           <a:p>
-            <a:fld id="{576EAE4A-AC68-4EB7-88C1-44DE484F3D07}" type="datetimeFigureOut">
+            <a:fld id="{E48569FE-04C3-40FF-AE68-C8C4F17EEBF2}" type="datetime1">
               <a:rPr lang="zh-TW" altLang="en-US" smtClean="0"/>
-              <a:t>2023/8/3</a:t>
+              <a:t>2023/8/4</a:t>
             </a:fld>
             <a:endParaRPr lang="zh-TW" altLang="en-US"/>
           </a:p>
@@ -2680,9 +3033,9 @@
           <a:bodyPr/>
           <a:lstStyle/>
           <a:p>
-            <a:fld id="{576EAE4A-AC68-4EB7-88C1-44DE484F3D07}" type="datetimeFigureOut">
+            <a:fld id="{B10C30B9-DEA7-464E-ACCF-F457559B8DAA}" type="datetime1">
               <a:rPr lang="zh-TW" altLang="en-US" smtClean="0"/>
-              <a:t>2023/8/3</a:t>
+              <a:t>2023/8/4</a:t>
             </a:fld>
             <a:endParaRPr lang="zh-TW" altLang="en-US"/>
           </a:p>
@@ -2921,9 +3274,9 @@
             </a:lvl1pPr>
           </a:lstStyle>
           <a:p>
-            <a:fld id="{576EAE4A-AC68-4EB7-88C1-44DE484F3D07}" type="datetimeFigureOut">
+            <a:fld id="{135B94AF-7C0F-46EA-B86B-23A8DD1D1154}" type="datetime1">
               <a:rPr lang="zh-TW" altLang="en-US" smtClean="0"/>
-              <a:t>2023/8/3</a:t>
+              <a:t>2023/8/4</a:t>
             </a:fld>
             <a:endParaRPr lang="zh-TW" altLang="en-US"/>
           </a:p>
@@ -3040,6 +3393,7 @@
     <p:sldLayoutId id="2147483658" r:id="rId10"/>
     <p:sldLayoutId id="2147483659" r:id="rId11"/>
   </p:sldLayoutIdLst>
+  <p:hf hdr="0" ftr="0" dt="0"/>
   <p:txStyles>
     <p:titleStyle>
       <a:lvl1pPr algn="l" defTabSz="914400" rtl="0" eaLnBrk="1" latinLnBrk="0" hangingPunct="1">
@@ -3391,11 +3745,64 @@
             <p:ph type="subTitle" idx="1"/>
           </p:nvPr>
         </p:nvSpPr>
+        <p:spPr>
+          <a:xfrm>
+            <a:off x="1524000" y="4229100"/>
+            <a:ext cx="9144000" cy="1028700"/>
+          </a:xfrm>
+        </p:spPr>
+        <p:txBody>
+          <a:bodyPr/>
+          <a:lstStyle/>
+          <a:p>
+            <a:r>
+              <a:rPr lang="en-US" altLang="zh-TW" dirty="0"/>
+              <a:t>Ref: </a:t>
+            </a:r>
+            <a:r>
+              <a:rPr lang="en-US" altLang="zh-TW" dirty="0" err="1">
+                <a:hlinkClick r:id="rId2"/>
+              </a:rPr>
+              <a:t>renyuanL</a:t>
+            </a:r>
+            <a:r>
+              <a:rPr lang="en-US" altLang="zh-TW" dirty="0">
+                <a:hlinkClick r:id="rId2"/>
+              </a:rPr>
+              <a:t>/GuyanTrans2023 (github.com)</a:t>
+            </a:r>
+            <a:endParaRPr lang="en-US" altLang="zh-TW" dirty="0"/>
+          </a:p>
+          <a:p>
+            <a:endParaRPr lang="zh-TW" altLang="en-US" dirty="0"/>
+          </a:p>
+        </p:txBody>
+      </p:sp>
+      <p:sp>
+        <p:nvSpPr>
+          <p:cNvPr id="4" name="投影片編號版面配置區 3">
+            <a:extLst>
+              <a:ext uri="{FF2B5EF4-FFF2-40B4-BE49-F238E27FC236}">
+                <a16:creationId xmlns:a16="http://schemas.microsoft.com/office/drawing/2014/main" id="{9AC40106-F80D-2BE9-B1A0-DAAD535DC2E3}"/>
+              </a:ext>
+            </a:extLst>
+          </p:cNvPr>
+          <p:cNvSpPr>
+            <a:spLocks noGrp="1"/>
+          </p:cNvSpPr>
+          <p:nvPr>
+            <p:ph type="sldNum" sz="quarter" idx="12"/>
+          </p:nvPr>
+        </p:nvSpPr>
         <p:spPr/>
         <p:txBody>
           <a:bodyPr/>
           <a:lstStyle/>
           <a:p>
+            <a:fld id="{93337D9B-A741-4F1C-8753-339B6BA61A94}" type="slidenum">
+              <a:rPr lang="zh-TW" altLang="en-US" smtClean="0"/>
+              <a:t>1</a:t>
+            </a:fld>
             <a:endParaRPr lang="zh-TW" altLang="en-US"/>
           </a:p>
         </p:txBody>
@@ -3593,6 +4000,35 @@
           </a:p>
         </p:txBody>
       </p:sp>
+      <p:sp>
+        <p:nvSpPr>
+          <p:cNvPr id="4" name="投影片編號版面配置區 3">
+            <a:extLst>
+              <a:ext uri="{FF2B5EF4-FFF2-40B4-BE49-F238E27FC236}">
+                <a16:creationId xmlns:a16="http://schemas.microsoft.com/office/drawing/2014/main" id="{CD96E9B7-1226-E3BD-6188-C09724CDFCF6}"/>
+              </a:ext>
+            </a:extLst>
+          </p:cNvPr>
+          <p:cNvSpPr>
+            <a:spLocks noGrp="1"/>
+          </p:cNvSpPr>
+          <p:nvPr>
+            <p:ph type="sldNum" sz="quarter" idx="12"/>
+          </p:nvPr>
+        </p:nvSpPr>
+        <p:spPr/>
+        <p:txBody>
+          <a:bodyPr/>
+          <a:lstStyle/>
+          <a:p>
+            <a:fld id="{93337D9B-A741-4F1C-8753-339B6BA61A94}" type="slidenum">
+              <a:rPr lang="zh-TW" altLang="en-US" smtClean="0"/>
+              <a:t>2</a:t>
+            </a:fld>
+            <a:endParaRPr lang="zh-TW" altLang="en-US"/>
+          </a:p>
+        </p:txBody>
+      </p:sp>
     </p:spTree>
     <p:extLst>
       <p:ext uri="{BB962C8B-B14F-4D97-AF65-F5344CB8AC3E}">
@@ -3796,6 +4232,35 @@
           </a:p>
         </p:txBody>
       </p:sp>
+      <p:sp>
+        <p:nvSpPr>
+          <p:cNvPr id="4" name="投影片編號版面配置區 3">
+            <a:extLst>
+              <a:ext uri="{FF2B5EF4-FFF2-40B4-BE49-F238E27FC236}">
+                <a16:creationId xmlns:a16="http://schemas.microsoft.com/office/drawing/2014/main" id="{4608A268-B814-2CA3-7046-7DAA43F5E078}"/>
+              </a:ext>
+            </a:extLst>
+          </p:cNvPr>
+          <p:cNvSpPr>
+            <a:spLocks noGrp="1"/>
+          </p:cNvSpPr>
+          <p:nvPr>
+            <p:ph type="sldNum" sz="quarter" idx="12"/>
+          </p:nvPr>
+        </p:nvSpPr>
+        <p:spPr/>
+        <p:txBody>
+          <a:bodyPr/>
+          <a:lstStyle/>
+          <a:p>
+            <a:fld id="{93337D9B-A741-4F1C-8753-339B6BA61A94}" type="slidenum">
+              <a:rPr lang="zh-TW" altLang="en-US" smtClean="0"/>
+              <a:t>3</a:t>
+            </a:fld>
+            <a:endParaRPr lang="zh-TW" altLang="en-US"/>
+          </a:p>
+        </p:txBody>
+      </p:sp>
     </p:spTree>
     <p:extLst>
       <p:ext uri="{BB962C8B-B14F-4D97-AF65-F5344CB8AC3E}">
@@ -3870,12 +4335,418 @@
             <p:ph idx="1"/>
           </p:nvPr>
         </p:nvSpPr>
+        <p:spPr>
+          <a:xfrm>
+            <a:off x="838200" y="1825625"/>
+            <a:ext cx="5156200" cy="2720975"/>
+          </a:xfrm>
+        </p:spPr>
+        <p:txBody>
+          <a:bodyPr/>
+          <a:lstStyle/>
+          <a:p>
+            <a:r>
+              <a:rPr lang="en-US" altLang="zh-TW" dirty="0" err="1"/>
+              <a:t>len</a:t>
+            </a:r>
+            <a:r>
+              <a:rPr lang="en-US" altLang="zh-TW" dirty="0"/>
+              <a:t>(</a:t>
+            </a:r>
+            <a:r>
+              <a:rPr lang="en-US" altLang="zh-TW" dirty="0" err="1"/>
+              <a:t>nL</a:t>
+            </a:r>
+            <a:r>
+              <a:rPr lang="en-US" altLang="zh-TW" dirty="0"/>
+              <a:t>)= 868 files</a:t>
+            </a:r>
+          </a:p>
+          <a:p>
+            <a:r>
+              <a:rPr lang="en-US" altLang="zh-TW" dirty="0"/>
+              <a:t>sum(</a:t>
+            </a:r>
+            <a:r>
+              <a:rPr lang="en-US" altLang="zh-TW" dirty="0" err="1"/>
+              <a:t>tL</a:t>
+            </a:r>
+            <a:r>
+              <a:rPr lang="en-US" altLang="zh-TW" dirty="0"/>
+              <a:t>)= 3,219,609 seconds</a:t>
+            </a:r>
+          </a:p>
+          <a:p>
+            <a:r>
+              <a:rPr lang="en-US" altLang="zh-TW" dirty="0"/>
+              <a:t>sum(</a:t>
+            </a:r>
+            <a:r>
+              <a:rPr lang="en-US" altLang="zh-TW" dirty="0" err="1"/>
+              <a:t>tL</a:t>
+            </a:r>
+            <a:r>
+              <a:rPr lang="en-US" altLang="zh-TW" dirty="0"/>
+              <a:t>)/3600= 894.336 hours</a:t>
+            </a:r>
+          </a:p>
+          <a:p>
+            <a:r>
+              <a:rPr lang="en-US" altLang="zh-TW" dirty="0"/>
+              <a:t>sum(</a:t>
+            </a:r>
+            <a:r>
+              <a:rPr lang="en-US" altLang="zh-TW" dirty="0" err="1"/>
+              <a:t>tL</a:t>
+            </a:r>
+            <a:r>
+              <a:rPr lang="en-US" altLang="zh-TW" dirty="0"/>
+              <a:t>)/3600/24= 37.264 days</a:t>
+            </a:r>
+          </a:p>
+          <a:p>
+            <a:r>
+              <a:rPr lang="en-US" altLang="zh-TW" dirty="0" err="1"/>
+              <a:t>numCh</a:t>
+            </a:r>
+            <a:r>
+              <a:rPr lang="en-US" altLang="zh-TW" dirty="0"/>
+              <a:t>= 9,579,039 chars</a:t>
+            </a:r>
+            <a:endParaRPr lang="zh-TW" altLang="en-US" dirty="0"/>
+          </a:p>
+        </p:txBody>
+      </p:sp>
+      <p:sp>
+        <p:nvSpPr>
+          <p:cNvPr id="4" name="內容版面配置區 2">
+            <a:extLst>
+              <a:ext uri="{FF2B5EF4-FFF2-40B4-BE49-F238E27FC236}">
+                <a16:creationId xmlns:a16="http://schemas.microsoft.com/office/drawing/2014/main" id="{EAFB4ED0-056E-18DD-2ED1-B96F1C8CCF01}"/>
+              </a:ext>
+            </a:extLst>
+          </p:cNvPr>
+          <p:cNvSpPr txBox="1">
+            <a:spLocks/>
+          </p:cNvSpPr>
+          <p:nvPr/>
+        </p:nvSpPr>
+        <p:spPr>
+          <a:xfrm>
+            <a:off x="6197602" y="1690688"/>
+            <a:ext cx="4546598" cy="2720975"/>
+          </a:xfrm>
+          <a:prstGeom prst="rect">
+            <a:avLst/>
+          </a:prstGeom>
+        </p:spPr>
+        <p:txBody>
+          <a:bodyPr vert="horz" lIns="91440" tIns="45720" rIns="91440" bIns="45720" rtlCol="0">
+            <a:normAutofit/>
+          </a:bodyPr>
+          <a:lstStyle>
+            <a:lvl1pPr marL="228600" indent="-228600" algn="l" defTabSz="914400" rtl="0" eaLnBrk="1" latinLnBrk="0" hangingPunct="1">
+              <a:lnSpc>
+                <a:spcPct val="90000"/>
+              </a:lnSpc>
+              <a:spcBef>
+                <a:spcPts val="1000"/>
+              </a:spcBef>
+              <a:buFont typeface="Arial" panose="020B0604020202020204" pitchFamily="34" charset="0"/>
+              <a:buChar char="•"/>
+              <a:defRPr sz="2800" kern="1200">
+                <a:solidFill>
+                  <a:schemeClr val="tx1"/>
+                </a:solidFill>
+                <a:latin typeface="+mn-lt"/>
+                <a:ea typeface="+mn-ea"/>
+                <a:cs typeface="+mn-cs"/>
+              </a:defRPr>
+            </a:lvl1pPr>
+            <a:lvl2pPr marL="685800" indent="-228600" algn="l" defTabSz="914400" rtl="0" eaLnBrk="1" latinLnBrk="0" hangingPunct="1">
+              <a:lnSpc>
+                <a:spcPct val="90000"/>
+              </a:lnSpc>
+              <a:spcBef>
+                <a:spcPts val="500"/>
+              </a:spcBef>
+              <a:buFont typeface="Arial" panose="020B0604020202020204" pitchFamily="34" charset="0"/>
+              <a:buChar char="•"/>
+              <a:defRPr sz="2400" kern="1200">
+                <a:solidFill>
+                  <a:schemeClr val="tx1"/>
+                </a:solidFill>
+                <a:latin typeface="+mn-lt"/>
+                <a:ea typeface="+mn-ea"/>
+                <a:cs typeface="+mn-cs"/>
+              </a:defRPr>
+            </a:lvl2pPr>
+            <a:lvl3pPr marL="1143000" indent="-228600" algn="l" defTabSz="914400" rtl="0" eaLnBrk="1" latinLnBrk="0" hangingPunct="1">
+              <a:lnSpc>
+                <a:spcPct val="90000"/>
+              </a:lnSpc>
+              <a:spcBef>
+                <a:spcPts val="500"/>
+              </a:spcBef>
+              <a:buFont typeface="Arial" panose="020B0604020202020204" pitchFamily="34" charset="0"/>
+              <a:buChar char="•"/>
+              <a:defRPr sz="2000" kern="1200">
+                <a:solidFill>
+                  <a:schemeClr val="tx1"/>
+                </a:solidFill>
+                <a:latin typeface="+mn-lt"/>
+                <a:ea typeface="+mn-ea"/>
+                <a:cs typeface="+mn-cs"/>
+              </a:defRPr>
+            </a:lvl3pPr>
+            <a:lvl4pPr marL="1600200" indent="-228600" algn="l" defTabSz="914400" rtl="0" eaLnBrk="1" latinLnBrk="0" hangingPunct="1">
+              <a:lnSpc>
+                <a:spcPct val="90000"/>
+              </a:lnSpc>
+              <a:spcBef>
+                <a:spcPts val="500"/>
+              </a:spcBef>
+              <a:buFont typeface="Arial" panose="020B0604020202020204" pitchFamily="34" charset="0"/>
+              <a:buChar char="•"/>
+              <a:defRPr sz="1800" kern="1200">
+                <a:solidFill>
+                  <a:schemeClr val="tx1"/>
+                </a:solidFill>
+                <a:latin typeface="+mn-lt"/>
+                <a:ea typeface="+mn-ea"/>
+                <a:cs typeface="+mn-cs"/>
+              </a:defRPr>
+            </a:lvl4pPr>
+            <a:lvl5pPr marL="2057400" indent="-228600" algn="l" defTabSz="914400" rtl="0" eaLnBrk="1" latinLnBrk="0" hangingPunct="1">
+              <a:lnSpc>
+                <a:spcPct val="90000"/>
+              </a:lnSpc>
+              <a:spcBef>
+                <a:spcPts val="500"/>
+              </a:spcBef>
+              <a:buFont typeface="Arial" panose="020B0604020202020204" pitchFamily="34" charset="0"/>
+              <a:buChar char="•"/>
+              <a:defRPr sz="1800" kern="1200">
+                <a:solidFill>
+                  <a:schemeClr val="tx1"/>
+                </a:solidFill>
+                <a:latin typeface="+mn-lt"/>
+                <a:ea typeface="+mn-ea"/>
+                <a:cs typeface="+mn-cs"/>
+              </a:defRPr>
+            </a:lvl5pPr>
+            <a:lvl6pPr marL="2514600" indent="-228600" algn="l" defTabSz="914400" rtl="0" eaLnBrk="1" latinLnBrk="0" hangingPunct="1">
+              <a:lnSpc>
+                <a:spcPct val="90000"/>
+              </a:lnSpc>
+              <a:spcBef>
+                <a:spcPts val="500"/>
+              </a:spcBef>
+              <a:buFont typeface="Arial" panose="020B0604020202020204" pitchFamily="34" charset="0"/>
+              <a:buChar char="•"/>
+              <a:defRPr sz="1800" kern="1200">
+                <a:solidFill>
+                  <a:schemeClr val="tx1"/>
+                </a:solidFill>
+                <a:latin typeface="+mn-lt"/>
+                <a:ea typeface="+mn-ea"/>
+                <a:cs typeface="+mn-cs"/>
+              </a:defRPr>
+            </a:lvl6pPr>
+            <a:lvl7pPr marL="2971800" indent="-228600" algn="l" defTabSz="914400" rtl="0" eaLnBrk="1" latinLnBrk="0" hangingPunct="1">
+              <a:lnSpc>
+                <a:spcPct val="90000"/>
+              </a:lnSpc>
+              <a:spcBef>
+                <a:spcPts val="500"/>
+              </a:spcBef>
+              <a:buFont typeface="Arial" panose="020B0604020202020204" pitchFamily="34" charset="0"/>
+              <a:buChar char="•"/>
+              <a:defRPr sz="1800" kern="1200">
+                <a:solidFill>
+                  <a:schemeClr val="tx1"/>
+                </a:solidFill>
+                <a:latin typeface="+mn-lt"/>
+                <a:ea typeface="+mn-ea"/>
+                <a:cs typeface="+mn-cs"/>
+              </a:defRPr>
+            </a:lvl7pPr>
+            <a:lvl8pPr marL="3429000" indent="-228600" algn="l" defTabSz="914400" rtl="0" eaLnBrk="1" latinLnBrk="0" hangingPunct="1">
+              <a:lnSpc>
+                <a:spcPct val="90000"/>
+              </a:lnSpc>
+              <a:spcBef>
+                <a:spcPts val="500"/>
+              </a:spcBef>
+              <a:buFont typeface="Arial" panose="020B0604020202020204" pitchFamily="34" charset="0"/>
+              <a:buChar char="•"/>
+              <a:defRPr sz="1800" kern="1200">
+                <a:solidFill>
+                  <a:schemeClr val="tx1"/>
+                </a:solidFill>
+                <a:latin typeface="+mn-lt"/>
+                <a:ea typeface="+mn-ea"/>
+                <a:cs typeface="+mn-cs"/>
+              </a:defRPr>
+            </a:lvl8pPr>
+            <a:lvl9pPr marL="3886200" indent="-228600" algn="l" defTabSz="914400" rtl="0" eaLnBrk="1" latinLnBrk="0" hangingPunct="1">
+              <a:lnSpc>
+                <a:spcPct val="90000"/>
+              </a:lnSpc>
+              <a:spcBef>
+                <a:spcPts val="500"/>
+              </a:spcBef>
+              <a:buFont typeface="Arial" panose="020B0604020202020204" pitchFamily="34" charset="0"/>
+              <a:buChar char="•"/>
+              <a:defRPr sz="1800" kern="1200">
+                <a:solidFill>
+                  <a:schemeClr val="tx1"/>
+                </a:solidFill>
+                <a:latin typeface="+mn-lt"/>
+                <a:ea typeface="+mn-ea"/>
+                <a:cs typeface="+mn-cs"/>
+              </a:defRPr>
+            </a:lvl9pPr>
+          </a:lstStyle>
+          <a:p>
+            <a:r>
+              <a:rPr lang="zh-TW" altLang="en-US" dirty="0"/>
+              <a:t>招募義工</a:t>
+            </a:r>
+            <a:endParaRPr lang="en-US" altLang="zh-TW" dirty="0"/>
+          </a:p>
+          <a:p>
+            <a:pPr lvl="1"/>
+            <a:r>
+              <a:rPr lang="en-US" altLang="zh-TW" dirty="0"/>
+              <a:t>1.</a:t>
+            </a:r>
+            <a:r>
+              <a:rPr lang="zh-TW" altLang="en-US" dirty="0"/>
+              <a:t> 紙筆校對，數人</a:t>
+            </a:r>
+            <a:endParaRPr lang="en-US" altLang="zh-TW" dirty="0"/>
+          </a:p>
+          <a:p>
+            <a:pPr lvl="1"/>
+            <a:r>
+              <a:rPr lang="en-US" altLang="zh-TW" dirty="0"/>
+              <a:t>2.</a:t>
+            </a:r>
+            <a:r>
+              <a:rPr lang="zh-TW" altLang="en-US" dirty="0"/>
+              <a:t> </a:t>
+            </a:r>
+            <a:r>
+              <a:rPr lang="en-US" altLang="zh-TW" dirty="0"/>
+              <a:t>iPad </a:t>
+            </a:r>
+            <a:r>
+              <a:rPr lang="zh-TW" altLang="en-US" dirty="0"/>
+              <a:t>校對，數人</a:t>
+            </a:r>
+            <a:endParaRPr lang="en-US" altLang="zh-TW" dirty="0"/>
+          </a:p>
+          <a:p>
+            <a:pPr lvl="1"/>
+            <a:r>
+              <a:rPr lang="en-US" altLang="zh-TW" dirty="0"/>
+              <a:t>3.</a:t>
+            </a:r>
+            <a:r>
+              <a:rPr lang="zh-TW" altLang="en-US" dirty="0"/>
+              <a:t> 將</a:t>
+            </a:r>
+            <a:r>
+              <a:rPr lang="en-US" altLang="zh-TW" dirty="0"/>
+              <a:t>1,</a:t>
+            </a:r>
+            <a:r>
+              <a:rPr lang="zh-TW" altLang="en-US" dirty="0"/>
+              <a:t> </a:t>
+            </a:r>
+            <a:r>
+              <a:rPr lang="en-US" altLang="zh-TW" dirty="0"/>
+              <a:t>2</a:t>
+            </a:r>
+            <a:r>
+              <a:rPr lang="zh-TW" altLang="en-US" dirty="0"/>
+              <a:t> 匯入電子檔，</a:t>
+            </a:r>
+            <a:r>
+              <a:rPr lang="en-US" altLang="zh-TW" dirty="0"/>
+              <a:t>1</a:t>
+            </a:r>
+            <a:r>
+              <a:rPr lang="zh-TW" altLang="en-US" dirty="0"/>
+              <a:t>人</a:t>
+            </a:r>
+            <a:endParaRPr lang="en-US" altLang="zh-TW" dirty="0"/>
+          </a:p>
+          <a:p>
+            <a:pPr lvl="1"/>
+            <a:r>
+              <a:rPr lang="en-US" altLang="zh-TW" dirty="0"/>
+              <a:t>4.</a:t>
+            </a:r>
+            <a:r>
+              <a:rPr lang="zh-TW" altLang="en-US" dirty="0"/>
+              <a:t> 上傳 </a:t>
+            </a:r>
+            <a:r>
+              <a:rPr lang="en-US" altLang="zh-TW" dirty="0" err="1"/>
+              <a:t>Youtube</a:t>
+            </a:r>
+            <a:r>
+              <a:rPr lang="en-US" altLang="zh-TW" dirty="0"/>
+              <a:t> </a:t>
+            </a:r>
+            <a:r>
+              <a:rPr lang="zh-TW" altLang="en-US" dirty="0"/>
+              <a:t>作為逐字稿字幕，</a:t>
+            </a:r>
+            <a:r>
+              <a:rPr lang="en-US" altLang="zh-TW" dirty="0"/>
+              <a:t>1</a:t>
+            </a:r>
+            <a:r>
+              <a:rPr lang="zh-TW" altLang="en-US" dirty="0"/>
+              <a:t>人</a:t>
+            </a:r>
+            <a:endParaRPr lang="en-US" altLang="zh-TW" dirty="0"/>
+          </a:p>
+          <a:p>
+            <a:pPr lvl="1"/>
+            <a:endParaRPr lang="zh-TW" altLang="en-US" dirty="0"/>
+          </a:p>
+        </p:txBody>
+      </p:sp>
+      <p:sp>
+        <p:nvSpPr>
+          <p:cNvPr id="5" name="投影片編號版面配置區 4">
+            <a:extLst>
+              <a:ext uri="{FF2B5EF4-FFF2-40B4-BE49-F238E27FC236}">
+                <a16:creationId xmlns:a16="http://schemas.microsoft.com/office/drawing/2014/main" id="{DA7CFD59-EC10-5F49-E669-29CFFF2258BA}"/>
+              </a:ext>
+            </a:extLst>
+          </p:cNvPr>
+          <p:cNvSpPr>
+            <a:spLocks noGrp="1"/>
+          </p:cNvSpPr>
+          <p:nvPr>
+            <p:ph type="sldNum" sz="quarter" idx="12"/>
+          </p:nvPr>
+        </p:nvSpPr>
         <p:spPr/>
         <p:txBody>
           <a:bodyPr/>
           <a:lstStyle/>
           <a:p>
-            <a:endParaRPr lang="zh-TW" altLang="en-US" dirty="0"/>
+            <a:fld id="{93337D9B-A741-4F1C-8753-339B6BA61A94}" type="slidenum">
+              <a:rPr lang="zh-TW" altLang="en-US" smtClean="0"/>
+              <a:t>4</a:t>
+            </a:fld>
+            <a:endParaRPr lang="zh-TW" altLang="en-US"/>
           </a:p>
         </p:txBody>
       </p:sp>
@@ -3883,6 +4754,157 @@
     <p:extLst>
       <p:ext uri="{BB962C8B-B14F-4D97-AF65-F5344CB8AC3E}">
         <p14:creationId xmlns:p14="http://schemas.microsoft.com/office/powerpoint/2010/main" val="1593304675"/>
+      </p:ext>
+    </p:extLst>
+  </p:cSld>
+  <p:clrMapOvr>
+    <a:masterClrMapping/>
+  </p:clrMapOvr>
+</p:sld>
+</file>
+
+<file path=ppt/slides/slide5.xml><?xml version="1.0" encoding="utf-8"?>
+<p:sld xmlns:a="http://schemas.openxmlformats.org/drawingml/2006/main" xmlns:r="http://schemas.openxmlformats.org/officeDocument/2006/relationships" xmlns:p="http://schemas.openxmlformats.org/presentationml/2006/main">
+  <p:cSld>
+    <p:spTree>
+      <p:nvGrpSpPr>
+        <p:cNvPr id="1" name=""/>
+        <p:cNvGrpSpPr/>
+        <p:nvPr/>
+      </p:nvGrpSpPr>
+      <p:grpSpPr>
+        <a:xfrm>
+          <a:off x="0" y="0"/>
+          <a:ext cx="0" cy="0"/>
+          <a:chOff x="0" y="0"/>
+          <a:chExt cx="0" cy="0"/>
+        </a:xfrm>
+      </p:grpSpPr>
+      <p:sp>
+        <p:nvSpPr>
+          <p:cNvPr id="2" name="標題 1">
+            <a:extLst>
+              <a:ext uri="{FF2B5EF4-FFF2-40B4-BE49-F238E27FC236}">
+                <a16:creationId xmlns:a16="http://schemas.microsoft.com/office/drawing/2014/main" id="{F0E63B39-AFE9-70A1-200D-35D5799B08DD}"/>
+              </a:ext>
+            </a:extLst>
+          </p:cNvPr>
+          <p:cNvSpPr>
+            <a:spLocks noGrp="1"/>
+          </p:cNvSpPr>
+          <p:nvPr>
+            <p:ph type="title"/>
+          </p:nvPr>
+        </p:nvSpPr>
+        <p:spPr/>
+        <p:txBody>
+          <a:bodyPr/>
+          <a:lstStyle/>
+          <a:p>
+            <a:r>
+              <a:rPr lang="zh-TW" altLang="en-US" dirty="0"/>
+              <a:t>任務示範</a:t>
+            </a:r>
+          </a:p>
+        </p:txBody>
+      </p:sp>
+      <p:sp>
+        <p:nvSpPr>
+          <p:cNvPr id="3" name="內容版面配置區 2">
+            <a:extLst>
+              <a:ext uri="{FF2B5EF4-FFF2-40B4-BE49-F238E27FC236}">
+                <a16:creationId xmlns:a16="http://schemas.microsoft.com/office/drawing/2014/main" id="{AA6FAC79-1B78-7B7C-A175-FD0F3AF06B34}"/>
+              </a:ext>
+            </a:extLst>
+          </p:cNvPr>
+          <p:cNvSpPr>
+            <a:spLocks noGrp="1"/>
+          </p:cNvSpPr>
+          <p:nvPr>
+            <p:ph idx="1"/>
+          </p:nvPr>
+        </p:nvSpPr>
+        <p:spPr/>
+        <p:txBody>
+          <a:bodyPr/>
+          <a:lstStyle/>
+          <a:p>
+            <a:r>
+              <a:rPr lang="en-US" altLang="zh-TW" dirty="0"/>
+              <a:t>1.</a:t>
+            </a:r>
+            <a:r>
+              <a:rPr lang="zh-TW" altLang="en-US" dirty="0"/>
+              <a:t> 取得逐字稿初稿</a:t>
+            </a:r>
+            <a:endParaRPr lang="en-US" altLang="zh-TW" dirty="0"/>
+          </a:p>
+          <a:p>
+            <a:r>
+              <a:rPr lang="en-US" altLang="zh-TW" dirty="0"/>
+              <a:t>2.</a:t>
+            </a:r>
+            <a:r>
+              <a:rPr lang="zh-TW" altLang="en-US" dirty="0"/>
+              <a:t> 打開古嚴寺影音 </a:t>
+            </a:r>
+            <a:endParaRPr lang="en-US" altLang="zh-TW" dirty="0"/>
+          </a:p>
+          <a:p>
+            <a:r>
+              <a:rPr lang="en-US" altLang="zh-TW" dirty="0"/>
+              <a:t>3. </a:t>
+            </a:r>
+            <a:r>
+              <a:rPr lang="zh-TW" altLang="en-US" dirty="0"/>
+              <a:t>邊聽邊改</a:t>
+            </a:r>
+            <a:endParaRPr lang="en-US" altLang="zh-TW" dirty="0"/>
+          </a:p>
+          <a:p>
+            <a:r>
+              <a:rPr lang="en-US" altLang="zh-TW"/>
+              <a:t>….</a:t>
+            </a:r>
+          </a:p>
+          <a:p>
+            <a:endParaRPr lang="zh-TW" altLang="en-US"/>
+          </a:p>
+        </p:txBody>
+      </p:sp>
+      <p:sp>
+        <p:nvSpPr>
+          <p:cNvPr id="4" name="投影片編號版面配置區 3">
+            <a:extLst>
+              <a:ext uri="{FF2B5EF4-FFF2-40B4-BE49-F238E27FC236}">
+                <a16:creationId xmlns:a16="http://schemas.microsoft.com/office/drawing/2014/main" id="{9174C714-7651-7718-F8FE-F5D3793760FA}"/>
+              </a:ext>
+            </a:extLst>
+          </p:cNvPr>
+          <p:cNvSpPr>
+            <a:spLocks noGrp="1"/>
+          </p:cNvSpPr>
+          <p:nvPr>
+            <p:ph type="sldNum" sz="quarter" idx="12"/>
+          </p:nvPr>
+        </p:nvSpPr>
+        <p:spPr/>
+        <p:txBody>
+          <a:bodyPr/>
+          <a:lstStyle/>
+          <a:p>
+            <a:fld id="{93337D9B-A741-4F1C-8753-339B6BA61A94}" type="slidenum">
+              <a:rPr lang="zh-TW" altLang="en-US" smtClean="0"/>
+              <a:t>5</a:t>
+            </a:fld>
+            <a:endParaRPr lang="zh-TW" altLang="en-US"/>
+          </a:p>
+        </p:txBody>
+      </p:sp>
+    </p:spTree>
+    <p:extLst>
+      <p:ext uri="{BB962C8B-B14F-4D97-AF65-F5344CB8AC3E}">
+        <p14:creationId xmlns:p14="http://schemas.microsoft.com/office/powerpoint/2010/main" val="137404774"/>
       </p:ext>
     </p:extLst>
   </p:cSld>
@@ -4185,4 +5207,299 @@
     </a:ext>
   </a:extLst>
 </a:theme>
+</file>
+
+<file path=ppt/theme/theme2.xml><?xml version="1.0" encoding="utf-8"?>
+<a:theme xmlns:a="http://schemas.openxmlformats.org/drawingml/2006/main" name="Office 佈景主題">
+  <a:themeElements>
+    <a:clrScheme name="Office">
+      <a:dk1>
+        <a:sysClr val="windowText" lastClr="000000"/>
+      </a:dk1>
+      <a:lt1>
+        <a:sysClr val="window" lastClr="FFFFFF"/>
+      </a:lt1>
+      <a:dk2>
+        <a:srgbClr val="44546A"/>
+      </a:dk2>
+      <a:lt2>
+        <a:srgbClr val="E7E6E6"/>
+      </a:lt2>
+      <a:accent1>
+        <a:srgbClr val="4472C4"/>
+      </a:accent1>
+      <a:accent2>
+        <a:srgbClr val="ED7D31"/>
+      </a:accent2>
+      <a:accent3>
+        <a:srgbClr val="A5A5A5"/>
+      </a:accent3>
+      <a:accent4>
+        <a:srgbClr val="FFC000"/>
+      </a:accent4>
+      <a:accent5>
+        <a:srgbClr val="5B9BD5"/>
+      </a:accent5>
+      <a:accent6>
+        <a:srgbClr val="70AD47"/>
+      </a:accent6>
+      <a:hlink>
+        <a:srgbClr val="0563C1"/>
+      </a:hlink>
+      <a:folHlink>
+        <a:srgbClr val="954F72"/>
+      </a:folHlink>
+    </a:clrScheme>
+    <a:fontScheme name="Office">
+      <a:majorFont>
+        <a:latin typeface="Calibri Light" panose="020F0302020204030204"/>
+        <a:ea typeface=""/>
+        <a:cs typeface=""/>
+        <a:font script="Jpan" typeface="游ゴシック Light"/>
+        <a:font script="Hang" typeface="맑은 고딕"/>
+        <a:font script="Hans" typeface="等线 Light"/>
+        <a:font script="Hant" typeface="新細明體"/>
+        <a:font script="Arab" typeface="Times New Roman"/>
+        <a:font script="Hebr" typeface="Times New Roman"/>
+        <a:font script="Thai" typeface="Angsana New"/>
+        <a:font script="Ethi" typeface="Nyala"/>
+        <a:font script="Beng" typeface="Vrinda"/>
+        <a:font script="Gujr" typeface="Shruti"/>
+        <a:font script="Khmr" typeface="MoolBoran"/>
+        <a:font script="Knda" typeface="Tunga"/>
+        <a:font script="Guru" typeface="Raavi"/>
+        <a:font script="Cans" typeface="Euphemia"/>
+        <a:font script="Cher" typeface="Plantagenet Cherokee"/>
+        <a:font script="Yiii" typeface="Microsoft Yi Baiti"/>
+        <a:font script="Tibt" typeface="Microsoft Himalaya"/>
+        <a:font script="Thaa" typeface="MV Boli"/>
+        <a:font script="Deva" typeface="Mangal"/>
+        <a:font script="Telu" typeface="Gautami"/>
+        <a:font script="Taml" typeface="Latha"/>
+        <a:font script="Syrc" typeface="Estrangelo Edessa"/>
+        <a:font script="Orya" typeface="Kalinga"/>
+        <a:font script="Mlym" typeface="Kartika"/>
+        <a:font script="Laoo" typeface="DokChampa"/>
+        <a:font script="Sinh" typeface="Iskoola Pota"/>
+        <a:font script="Mong" typeface="Mongolian Baiti"/>
+        <a:font script="Viet" typeface="Times New Roman"/>
+        <a:font script="Uigh" typeface="Microsoft Uighur"/>
+        <a:font script="Geor" typeface="Sylfaen"/>
+        <a:font script="Armn" typeface="Arial"/>
+        <a:font script="Bugi" typeface="Leelawadee UI"/>
+        <a:font script="Bopo" typeface="Microsoft JhengHei"/>
+        <a:font script="Java" typeface="Javanese Text"/>
+        <a:font script="Lisu" typeface="Segoe UI"/>
+        <a:font script="Mymr" typeface="Myanmar Text"/>
+        <a:font script="Nkoo" typeface="Ebrima"/>
+        <a:font script="Olck" typeface="Nirmala UI"/>
+        <a:font script="Osma" typeface="Ebrima"/>
+        <a:font script="Phag" typeface="Phagspa"/>
+        <a:font script="Syrn" typeface="Estrangelo Edessa"/>
+        <a:font script="Syrj" typeface="Estrangelo Edessa"/>
+        <a:font script="Syre" typeface="Estrangelo Edessa"/>
+        <a:font script="Sora" typeface="Nirmala UI"/>
+        <a:font script="Tale" typeface="Microsoft Tai Le"/>
+        <a:font script="Talu" typeface="Microsoft New Tai Lue"/>
+        <a:font script="Tfng" typeface="Ebrima"/>
+      </a:majorFont>
+      <a:minorFont>
+        <a:latin typeface="Calibri" panose="020F0502020204030204"/>
+        <a:ea typeface=""/>
+        <a:cs typeface=""/>
+        <a:font script="Jpan" typeface="游ゴシック"/>
+        <a:font script="Hang" typeface="맑은 고딕"/>
+        <a:font script="Hans" typeface="等线"/>
+        <a:font script="Hant" typeface="新細明體"/>
+        <a:font script="Arab" typeface="Arial"/>
+        <a:font script="Hebr" typeface="Arial"/>
+        <a:font script="Thai" typeface="Cordia New"/>
+        <a:font script="Ethi" typeface="Nyala"/>
+        <a:font script="Beng" typeface="Vrinda"/>
+        <a:font script="Gujr" typeface="Shruti"/>
+        <a:font script="Khmr" typeface="DaunPenh"/>
+        <a:font script="Knda" typeface="Tunga"/>
+        <a:font script="Guru" typeface="Raavi"/>
+        <a:font script="Cans" typeface="Euphemia"/>
+        <a:font script="Cher" typeface="Plantagenet Cherokee"/>
+        <a:font script="Yiii" typeface="Microsoft Yi Baiti"/>
+        <a:font script="Tibt" typeface="Microsoft Himalaya"/>
+        <a:font script="Thaa" typeface="MV Boli"/>
+        <a:font script="Deva" typeface="Mangal"/>
+        <a:font script="Telu" typeface="Gautami"/>
+        <a:font script="Taml" typeface="Latha"/>
+        <a:font script="Syrc" typeface="Estrangelo Edessa"/>
+        <a:font script="Orya" typeface="Kalinga"/>
+        <a:font script="Mlym" typeface="Kartika"/>
+        <a:font script="Laoo" typeface="DokChampa"/>
+        <a:font script="Sinh" typeface="Iskoola Pota"/>
+        <a:font script="Mong" typeface="Mongolian Baiti"/>
+        <a:font script="Viet" typeface="Arial"/>
+        <a:font script="Uigh" typeface="Microsoft Uighur"/>
+        <a:font script="Geor" typeface="Sylfaen"/>
+        <a:font script="Armn" typeface="Arial"/>
+        <a:font script="Bugi" typeface="Leelawadee UI"/>
+        <a:font script="Bopo" typeface="Microsoft JhengHei"/>
+        <a:font script="Java" typeface="Javanese Text"/>
+        <a:font script="Lisu" typeface="Segoe UI"/>
+        <a:font script="Mymr" typeface="Myanmar Text"/>
+        <a:font script="Nkoo" typeface="Ebrima"/>
+        <a:font script="Olck" typeface="Nirmala UI"/>
+        <a:font script="Osma" typeface="Ebrima"/>
+        <a:font script="Phag" typeface="Phagspa"/>
+        <a:font script="Syrn" typeface="Estrangelo Edessa"/>
+        <a:font script="Syrj" typeface="Estrangelo Edessa"/>
+        <a:font script="Syre" typeface="Estrangelo Edessa"/>
+        <a:font script="Sora" typeface="Nirmala UI"/>
+        <a:font script="Tale" typeface="Microsoft Tai Le"/>
+        <a:font script="Talu" typeface="Microsoft New Tai Lue"/>
+        <a:font script="Tfng" typeface="Ebrima"/>
+      </a:minorFont>
+    </a:fontScheme>
+    <a:fmtScheme name="Office">
+      <a:fillStyleLst>
+        <a:solidFill>
+          <a:schemeClr val="phClr"/>
+        </a:solidFill>
+        <a:gradFill rotWithShape="1">
+          <a:gsLst>
+            <a:gs pos="0">
+              <a:schemeClr val="phClr">
+                <a:lumMod val="110000"/>
+                <a:satMod val="105000"/>
+                <a:tint val="67000"/>
+              </a:schemeClr>
+            </a:gs>
+            <a:gs pos="50000">
+              <a:schemeClr val="phClr">
+                <a:lumMod val="105000"/>
+                <a:satMod val="103000"/>
+                <a:tint val="73000"/>
+              </a:schemeClr>
+            </a:gs>
+            <a:gs pos="100000">
+              <a:schemeClr val="phClr">
+                <a:lumMod val="105000"/>
+                <a:satMod val="109000"/>
+                <a:tint val="81000"/>
+              </a:schemeClr>
+            </a:gs>
+          </a:gsLst>
+          <a:lin ang="5400000" scaled="0"/>
+        </a:gradFill>
+        <a:gradFill rotWithShape="1">
+          <a:gsLst>
+            <a:gs pos="0">
+              <a:schemeClr val="phClr">
+                <a:satMod val="103000"/>
+                <a:lumMod val="102000"/>
+                <a:tint val="94000"/>
+              </a:schemeClr>
+            </a:gs>
+            <a:gs pos="50000">
+              <a:schemeClr val="phClr">
+                <a:satMod val="110000"/>
+                <a:lumMod val="100000"/>
+                <a:shade val="100000"/>
+              </a:schemeClr>
+            </a:gs>
+            <a:gs pos="100000">
+              <a:schemeClr val="phClr">
+                <a:lumMod val="99000"/>
+                <a:satMod val="120000"/>
+                <a:shade val="78000"/>
+              </a:schemeClr>
+            </a:gs>
+          </a:gsLst>
+          <a:lin ang="5400000" scaled="0"/>
+        </a:gradFill>
+      </a:fillStyleLst>
+      <a:lnStyleLst>
+        <a:ln w="6350" cap="flat" cmpd="sng" algn="ctr">
+          <a:solidFill>
+            <a:schemeClr val="phClr"/>
+          </a:solidFill>
+          <a:prstDash val="solid"/>
+          <a:miter lim="800000"/>
+        </a:ln>
+        <a:ln w="12700" cap="flat" cmpd="sng" algn="ctr">
+          <a:solidFill>
+            <a:schemeClr val="phClr"/>
+          </a:solidFill>
+          <a:prstDash val="solid"/>
+          <a:miter lim="800000"/>
+        </a:ln>
+        <a:ln w="19050" cap="flat" cmpd="sng" algn="ctr">
+          <a:solidFill>
+            <a:schemeClr val="phClr"/>
+          </a:solidFill>
+          <a:prstDash val="solid"/>
+          <a:miter lim="800000"/>
+        </a:ln>
+      </a:lnStyleLst>
+      <a:effectStyleLst>
+        <a:effectStyle>
+          <a:effectLst/>
+        </a:effectStyle>
+        <a:effectStyle>
+          <a:effectLst/>
+        </a:effectStyle>
+        <a:effectStyle>
+          <a:effectLst>
+            <a:outerShdw blurRad="57150" dist="19050" dir="5400000" algn="ctr" rotWithShape="0">
+              <a:srgbClr val="000000">
+                <a:alpha val="63000"/>
+              </a:srgbClr>
+            </a:outerShdw>
+          </a:effectLst>
+        </a:effectStyle>
+      </a:effectStyleLst>
+      <a:bgFillStyleLst>
+        <a:solidFill>
+          <a:schemeClr val="phClr"/>
+        </a:solidFill>
+        <a:solidFill>
+          <a:schemeClr val="phClr">
+            <a:tint val="95000"/>
+            <a:satMod val="170000"/>
+          </a:schemeClr>
+        </a:solidFill>
+        <a:gradFill rotWithShape="1">
+          <a:gsLst>
+            <a:gs pos="0">
+              <a:schemeClr val="phClr">
+                <a:tint val="93000"/>
+                <a:satMod val="150000"/>
+                <a:shade val="98000"/>
+                <a:lumMod val="102000"/>
+              </a:schemeClr>
+            </a:gs>
+            <a:gs pos="50000">
+              <a:schemeClr val="phClr">
+                <a:tint val="98000"/>
+                <a:satMod val="130000"/>
+                <a:shade val="90000"/>
+                <a:lumMod val="103000"/>
+              </a:schemeClr>
+            </a:gs>
+            <a:gs pos="100000">
+              <a:schemeClr val="phClr">
+                <a:shade val="63000"/>
+                <a:satMod val="120000"/>
+              </a:schemeClr>
+            </a:gs>
+          </a:gsLst>
+          <a:lin ang="5400000" scaled="0"/>
+        </a:gradFill>
+      </a:bgFillStyleLst>
+    </a:fmtScheme>
+  </a:themeElements>
+  <a:objectDefaults/>
+  <a:extraClrSchemeLst/>
+  <a:extLst>
+    <a:ext uri="{05A4C25C-085E-4340-85A3-A5531E510DB2}">
+      <thm15:themeFamily xmlns:thm15="http://schemas.microsoft.com/office/thememl/2012/main" name="Office Theme" id="{62F939B6-93AF-4DB8-9C6B-D6C7DFDC589F}" vid="{4A3C46E8-61CC-4603-A589-7422A47A8E4A}"/>
+    </a:ext>
+  </a:extLst>
+</a:theme>
 </file>
--- a/古嚴寺影音逐字稿.pptx
+++ b/古嚴寺影音逐字稿.pptx
@@ -3712,12 +3712,25 @@
         </p:nvSpPr>
         <p:spPr/>
         <p:txBody>
-          <a:bodyPr/>
+          <a:bodyPr>
+            <a:normAutofit fontScale="90000"/>
+          </a:bodyPr>
           <a:lstStyle/>
           <a:p>
             <a:r>
               <a:rPr lang="zh-TW" altLang="en-US" dirty="0"/>
               <a:t>古嚴寺影音</a:t>
+            </a:r>
+            <a:br>
+              <a:rPr lang="en-US" altLang="zh-TW" dirty="0"/>
+            </a:br>
+            <a:r>
+              <a:rPr lang="en-US" altLang="zh-TW" dirty="0"/>
+              <a:t>1</a:t>
+            </a:r>
+            <a:r>
+              <a:rPr lang="zh-TW" altLang="en-US" dirty="0"/>
+              <a:t>千萬字</a:t>
             </a:r>
             <a:br>
               <a:rPr lang="en-US" altLang="zh-TW" dirty="0"/>
@@ -4130,7 +4143,7 @@
             <a:endParaRPr lang="en-US" altLang="zh-TW" dirty="0"/>
           </a:p>
           <a:p>
-            <a:pPr lvl="1"/>
+            <a:pPr lvl="2"/>
             <a:r>
               <a:rPr lang="zh-TW" altLang="en-US" dirty="0"/>
               <a:t>預算 </a:t>
@@ -4359,7 +4372,7 @@
             </a:r>
             <a:r>
               <a:rPr lang="en-US" altLang="zh-TW" dirty="0"/>
-              <a:t>)= 868 files</a:t>
+              <a:t>)= 942 files</a:t>
             </a:r>
           </a:p>
           <a:p>
@@ -4373,7 +4386,7 @@
             </a:r>
             <a:r>
               <a:rPr lang="en-US" altLang="zh-TW" dirty="0"/>
-              <a:t>)= 3,219,609 seconds</a:t>
+              <a:t>)= 3,393,646 seconds</a:t>
             </a:r>
           </a:p>
           <a:p>
@@ -4387,7 +4400,7 @@
             </a:r>
             <a:r>
               <a:rPr lang="en-US" altLang="zh-TW" dirty="0"/>
-              <a:t>)/3600= 894.336 hours</a:t>
+              <a:t>)/3600= 942.679 hours</a:t>
             </a:r>
           </a:p>
           <a:p>
@@ -4401,7 +4414,7 @@
             </a:r>
             <a:r>
               <a:rPr lang="en-US" altLang="zh-TW" dirty="0"/>
-              <a:t>)/3600/24= 37.264 days</a:t>
+              <a:t>)/3600/24= 39.278 days</a:t>
             </a:r>
           </a:p>
           <a:p>
@@ -4411,7 +4424,7 @@
             </a:r>
             <a:r>
               <a:rPr lang="en-US" altLang="zh-TW" dirty="0"/>
-              <a:t>= 9,579,039 chars</a:t>
+              <a:t>= 10,003,545 chars</a:t>
             </a:r>
             <a:endParaRPr lang="zh-TW" altLang="en-US" dirty="0"/>
           </a:p>

--- a/古嚴寺影音逐字稿.pptx
+++ b/古嚴寺影音逐字稿.pptx
@@ -212,7 +212,7 @@
           <a:p>
             <a:fld id="{6A7574EB-902E-41B9-87A8-AF5C59983E90}" type="datetimeFigureOut">
               <a:rPr lang="zh-TW" altLang="en-US" smtClean="0"/>
-              <a:t>2023/8/4</a:t>
+              <a:t>2023/8/5</a:t>
             </a:fld>
             <a:endParaRPr lang="zh-TW" altLang="en-US"/>
           </a:p>
@@ -626,7 +626,7 @@
           <a:p>
             <a:fld id="{7A803C90-F818-40F0-A55E-99CCE2ADDCA5}" type="datetime1">
               <a:rPr lang="zh-TW" altLang="en-US" smtClean="0"/>
-              <a:t>2023/8/4</a:t>
+              <a:t>2023/8/5</a:t>
             </a:fld>
             <a:endParaRPr lang="zh-TW" altLang="en-US"/>
           </a:p>
@@ -824,7 +824,7 @@
           <a:p>
             <a:fld id="{AE654637-3084-4F81-86D4-5D26B1FD01C2}" type="datetime1">
               <a:rPr lang="zh-TW" altLang="en-US" smtClean="0"/>
-              <a:t>2023/8/4</a:t>
+              <a:t>2023/8/5</a:t>
             </a:fld>
             <a:endParaRPr lang="zh-TW" altLang="en-US"/>
           </a:p>
@@ -1032,7 +1032,7 @@
           <a:p>
             <a:fld id="{70D72076-CACA-4FB7-92A5-F1583B88EBC4}" type="datetime1">
               <a:rPr lang="zh-TW" altLang="en-US" smtClean="0"/>
-              <a:t>2023/8/4</a:t>
+              <a:t>2023/8/5</a:t>
             </a:fld>
             <a:endParaRPr lang="zh-TW" altLang="en-US"/>
           </a:p>
@@ -1230,7 +1230,7 @@
           <a:p>
             <a:fld id="{39A23A82-AD3B-4373-8AE5-EB6A5706FD24}" type="datetime1">
               <a:rPr lang="zh-TW" altLang="en-US" smtClean="0"/>
-              <a:t>2023/8/4</a:t>
+              <a:t>2023/8/5</a:t>
             </a:fld>
             <a:endParaRPr lang="zh-TW" altLang="en-US"/>
           </a:p>
@@ -1505,7 +1505,7 @@
           <a:p>
             <a:fld id="{586312EE-2FA2-4B77-B448-AE78B7932239}" type="datetime1">
               <a:rPr lang="zh-TW" altLang="en-US" smtClean="0"/>
-              <a:t>2023/8/4</a:t>
+              <a:t>2023/8/5</a:t>
             </a:fld>
             <a:endParaRPr lang="zh-TW" altLang="en-US"/>
           </a:p>
@@ -1770,7 +1770,7 @@
           <a:p>
             <a:fld id="{875AF1F2-C880-4246-8E52-8131BAF1E75F}" type="datetime1">
               <a:rPr lang="zh-TW" altLang="en-US" smtClean="0"/>
-              <a:t>2023/8/4</a:t>
+              <a:t>2023/8/5</a:t>
             </a:fld>
             <a:endParaRPr lang="zh-TW" altLang="en-US"/>
           </a:p>
@@ -2182,7 +2182,7 @@
           <a:p>
             <a:fld id="{F44ADA36-1B8C-4A3B-B933-98AAA20C2A3B}" type="datetime1">
               <a:rPr lang="zh-TW" altLang="en-US" smtClean="0"/>
-              <a:t>2023/8/4</a:t>
+              <a:t>2023/8/5</a:t>
             </a:fld>
             <a:endParaRPr lang="zh-TW" altLang="en-US"/>
           </a:p>
@@ -2323,7 +2323,7 @@
           <a:p>
             <a:fld id="{14FA6CB4-53C2-4F7A-9435-C02668BD6656}" type="datetime1">
               <a:rPr lang="zh-TW" altLang="en-US" smtClean="0"/>
-              <a:t>2023/8/4</a:t>
+              <a:t>2023/8/5</a:t>
             </a:fld>
             <a:endParaRPr lang="zh-TW" altLang="en-US"/>
           </a:p>
@@ -2436,7 +2436,7 @@
           <a:p>
             <a:fld id="{E232188F-05DA-42C4-B1BE-248CBD3B705D}" type="datetime1">
               <a:rPr lang="zh-TW" altLang="en-US" smtClean="0"/>
-              <a:t>2023/8/4</a:t>
+              <a:t>2023/8/5</a:t>
             </a:fld>
             <a:endParaRPr lang="zh-TW" altLang="en-US"/>
           </a:p>
@@ -2747,7 +2747,7 @@
           <a:p>
             <a:fld id="{E48569FE-04C3-40FF-AE68-C8C4F17EEBF2}" type="datetime1">
               <a:rPr lang="zh-TW" altLang="en-US" smtClean="0"/>
-              <a:t>2023/8/4</a:t>
+              <a:t>2023/8/5</a:t>
             </a:fld>
             <a:endParaRPr lang="zh-TW" altLang="en-US"/>
           </a:p>
@@ -3035,7 +3035,7 @@
           <a:p>
             <a:fld id="{B10C30B9-DEA7-464E-ACCF-F457559B8DAA}" type="datetime1">
               <a:rPr lang="zh-TW" altLang="en-US" smtClean="0"/>
-              <a:t>2023/8/4</a:t>
+              <a:t>2023/8/5</a:t>
             </a:fld>
             <a:endParaRPr lang="zh-TW" altLang="en-US"/>
           </a:p>
@@ -3276,7 +3276,7 @@
           <a:p>
             <a:fld id="{135B94AF-7C0F-46EA-B86B-23A8DD1D1154}" type="datetime1">
               <a:rPr lang="zh-TW" altLang="en-US" smtClean="0"/>
-              <a:t>2023/8/4</a:t>
+              <a:t>2023/8/5</a:t>
             </a:fld>
             <a:endParaRPr lang="zh-TW" altLang="en-US"/>
           </a:p>
@@ -3730,14 +3730,26 @@
             </a:r>
             <a:r>
               <a:rPr lang="zh-TW" altLang="en-US" dirty="0"/>
+              <a:t>千小時、</a:t>
+            </a:r>
+            <a:r>
+              <a:rPr lang="en-US" altLang="zh-TW" dirty="0"/>
+              <a:t>1</a:t>
+            </a:r>
+            <a:r>
+              <a:rPr lang="zh-TW" altLang="en-US" dirty="0"/>
               <a:t>千萬字</a:t>
             </a:r>
             <a:br>
               <a:rPr lang="en-US" altLang="zh-TW" dirty="0"/>
             </a:br>
             <a:r>
+              <a:rPr lang="en-US" altLang="zh-TW" dirty="0"/>
+              <a:t>AI</a:t>
+            </a:r>
+            <a:r>
               <a:rPr lang="zh-TW" altLang="en-US" dirty="0"/>
-              <a:t>逐字稿字幕</a:t>
+              <a:t>自動生成字幕</a:t>
             </a:r>
           </a:p>
         </p:txBody>
@@ -3971,15 +3983,39 @@
             <a:pPr lvl="1"/>
             <a:r>
               <a:rPr lang="zh-TW" altLang="en-US" dirty="0"/>
-              <a:t>佛學講座，分長篇、短篇</a:t>
-            </a:r>
-            <a:endParaRPr lang="en-US" altLang="zh-TW" dirty="0"/>
+              <a:t>佛學講座，</a:t>
+            </a:r>
+            <a:r>
+              <a:rPr lang="zh-TW" altLang="en-US" dirty="0">
+                <a:solidFill>
+                  <a:srgbClr val="FF0000"/>
+                </a:solidFill>
+              </a:rPr>
+              <a:t>長篇、短篇</a:t>
+            </a:r>
+            <a:endParaRPr lang="en-US" altLang="zh-TW" dirty="0">
+              <a:solidFill>
+                <a:srgbClr val="FF0000"/>
+              </a:solidFill>
+            </a:endParaRPr>
           </a:p>
           <a:p>
             <a:pPr lvl="1"/>
             <a:r>
               <a:rPr lang="zh-TW" altLang="en-US" dirty="0"/>
-              <a:t>禪修活動，分禪七、禪二</a:t>
+              <a:t>禪修活動，</a:t>
+            </a:r>
+            <a:r>
+              <a:rPr lang="zh-TW" altLang="en-US" dirty="0">
+                <a:solidFill>
+                  <a:srgbClr val="FF0000"/>
+                </a:solidFill>
+              </a:rPr>
+              <a:t>禪七</a:t>
+            </a:r>
+            <a:r>
+              <a:rPr lang="zh-TW" altLang="en-US" dirty="0"/>
+              <a:t>、禪二</a:t>
             </a:r>
             <a:endParaRPr lang="en-US" altLang="zh-TW" dirty="0"/>
           </a:p>
@@ -4355,9 +4391,19 @@
           </a:xfrm>
         </p:spPr>
         <p:txBody>
-          <a:bodyPr/>
-          <a:lstStyle/>
-          <a:p>
+          <a:bodyPr>
+            <a:normAutofit fontScale="85000" lnSpcReduction="20000"/>
+          </a:bodyPr>
+          <a:lstStyle/>
+          <a:p>
+            <a:r>
+              <a:rPr lang="zh-TW" altLang="en-US" dirty="0"/>
+              <a:t>影片檔總數</a:t>
+            </a:r>
+            <a:endParaRPr lang="en-US" altLang="zh-TW" dirty="0"/>
+          </a:p>
+          <a:p>
+            <a:pPr lvl="1"/>
             <a:r>
               <a:rPr lang="en-US" altLang="zh-TW" dirty="0" err="1"/>
               <a:t>len</a:t>
@@ -4372,10 +4418,18 @@
             </a:r>
             <a:r>
               <a:rPr lang="en-US" altLang="zh-TW" dirty="0"/>
-              <a:t>)= 942 files</a:t>
-            </a:r>
-          </a:p>
-          <a:p>
+              <a:t>)= 1050 files</a:t>
+            </a:r>
+          </a:p>
+          <a:p>
+            <a:r>
+              <a:rPr lang="zh-TW" altLang="en-US" dirty="0"/>
+              <a:t>影片時間總長</a:t>
+            </a:r>
+            <a:endParaRPr lang="en-US" altLang="zh-TW" dirty="0"/>
+          </a:p>
+          <a:p>
+            <a:pPr lvl="1"/>
             <a:r>
               <a:rPr lang="en-US" altLang="zh-TW" dirty="0"/>
               <a:t>sum(</a:t>
@@ -4386,10 +4440,11 @@
             </a:r>
             <a:r>
               <a:rPr lang="en-US" altLang="zh-TW" dirty="0"/>
-              <a:t>)= 3,393,646 seconds</a:t>
-            </a:r>
-          </a:p>
-          <a:p>
+              <a:t>)= 3,630,774 seconds</a:t>
+            </a:r>
+          </a:p>
+          <a:p>
+            <a:pPr lvl="1"/>
             <a:r>
               <a:rPr lang="en-US" altLang="zh-TW" dirty="0"/>
               <a:t>sum(</a:t>
@@ -4400,10 +4455,11 @@
             </a:r>
             <a:r>
               <a:rPr lang="en-US" altLang="zh-TW" dirty="0"/>
-              <a:t>)/3600= 942.679 hours</a:t>
-            </a:r>
-          </a:p>
-          <a:p>
+              <a:t>)/3600= 1008.548 hours</a:t>
+            </a:r>
+          </a:p>
+          <a:p>
+            <a:pPr lvl="1"/>
             <a:r>
               <a:rPr lang="en-US" altLang="zh-TW" dirty="0"/>
               <a:t>sum(</a:t>
@@ -4414,17 +4470,25 @@
             </a:r>
             <a:r>
               <a:rPr lang="en-US" altLang="zh-TW" dirty="0"/>
-              <a:t>)/3600/24= 39.278 days</a:t>
-            </a:r>
-          </a:p>
-          <a:p>
+              <a:t>)/3600/24= 42.023 days</a:t>
+            </a:r>
+          </a:p>
+          <a:p>
+            <a:r>
+              <a:rPr lang="zh-TW" altLang="en-US" dirty="0"/>
+              <a:t>逐字稿總字數</a:t>
+            </a:r>
+            <a:endParaRPr lang="en-US" altLang="zh-TW" dirty="0"/>
+          </a:p>
+          <a:p>
+            <a:pPr lvl="1"/>
             <a:r>
               <a:rPr lang="en-US" altLang="zh-TW" dirty="0" err="1"/>
               <a:t>numCh</a:t>
             </a:r>
             <a:r>
               <a:rPr lang="en-US" altLang="zh-TW" dirty="0"/>
-              <a:t>= 10,003,545 chars</a:t>
+              <a:t>= 10,593,158 chars</a:t>
             </a:r>
             <a:endParaRPr lang="zh-TW" altLang="en-US" dirty="0"/>
           </a:p>

--- a/古嚴寺影音逐字稿.pptx
+++ b/古嚴寺影音逐字稿.pptx
@@ -212,7 +212,7 @@
           <a:p>
             <a:fld id="{6A7574EB-902E-41B9-87A8-AF5C59983E90}" type="datetimeFigureOut">
               <a:rPr lang="zh-TW" altLang="en-US" smtClean="0"/>
-              <a:t>2023/8/5</a:t>
+              <a:t>2023/8/7</a:t>
             </a:fld>
             <a:endParaRPr lang="zh-TW" altLang="en-US"/>
           </a:p>
@@ -626,7 +626,7 @@
           <a:p>
             <a:fld id="{7A803C90-F818-40F0-A55E-99CCE2ADDCA5}" type="datetime1">
               <a:rPr lang="zh-TW" altLang="en-US" smtClean="0"/>
-              <a:t>2023/8/5</a:t>
+              <a:t>2023/8/7</a:t>
             </a:fld>
             <a:endParaRPr lang="zh-TW" altLang="en-US"/>
           </a:p>
@@ -824,7 +824,7 @@
           <a:p>
             <a:fld id="{AE654637-3084-4F81-86D4-5D26B1FD01C2}" type="datetime1">
               <a:rPr lang="zh-TW" altLang="en-US" smtClean="0"/>
-              <a:t>2023/8/5</a:t>
+              <a:t>2023/8/7</a:t>
             </a:fld>
             <a:endParaRPr lang="zh-TW" altLang="en-US"/>
           </a:p>
@@ -1032,7 +1032,7 @@
           <a:p>
             <a:fld id="{70D72076-CACA-4FB7-92A5-F1583B88EBC4}" type="datetime1">
               <a:rPr lang="zh-TW" altLang="en-US" smtClean="0"/>
-              <a:t>2023/8/5</a:t>
+              <a:t>2023/8/7</a:t>
             </a:fld>
             <a:endParaRPr lang="zh-TW" altLang="en-US"/>
           </a:p>
@@ -1230,7 +1230,7 @@
           <a:p>
             <a:fld id="{39A23A82-AD3B-4373-8AE5-EB6A5706FD24}" type="datetime1">
               <a:rPr lang="zh-TW" altLang="en-US" smtClean="0"/>
-              <a:t>2023/8/5</a:t>
+              <a:t>2023/8/7</a:t>
             </a:fld>
             <a:endParaRPr lang="zh-TW" altLang="en-US"/>
           </a:p>
@@ -1505,7 +1505,7 @@
           <a:p>
             <a:fld id="{586312EE-2FA2-4B77-B448-AE78B7932239}" type="datetime1">
               <a:rPr lang="zh-TW" altLang="en-US" smtClean="0"/>
-              <a:t>2023/8/5</a:t>
+              <a:t>2023/8/7</a:t>
             </a:fld>
             <a:endParaRPr lang="zh-TW" altLang="en-US"/>
           </a:p>
@@ -1770,7 +1770,7 @@
           <a:p>
             <a:fld id="{875AF1F2-C880-4246-8E52-8131BAF1E75F}" type="datetime1">
               <a:rPr lang="zh-TW" altLang="en-US" smtClean="0"/>
-              <a:t>2023/8/5</a:t>
+              <a:t>2023/8/7</a:t>
             </a:fld>
             <a:endParaRPr lang="zh-TW" altLang="en-US"/>
           </a:p>
@@ -2182,7 +2182,7 @@
           <a:p>
             <a:fld id="{F44ADA36-1B8C-4A3B-B933-98AAA20C2A3B}" type="datetime1">
               <a:rPr lang="zh-TW" altLang="en-US" smtClean="0"/>
-              <a:t>2023/8/5</a:t>
+              <a:t>2023/8/7</a:t>
             </a:fld>
             <a:endParaRPr lang="zh-TW" altLang="en-US"/>
           </a:p>
@@ -2323,7 +2323,7 @@
           <a:p>
             <a:fld id="{14FA6CB4-53C2-4F7A-9435-C02668BD6656}" type="datetime1">
               <a:rPr lang="zh-TW" altLang="en-US" smtClean="0"/>
-              <a:t>2023/8/5</a:t>
+              <a:t>2023/8/7</a:t>
             </a:fld>
             <a:endParaRPr lang="zh-TW" altLang="en-US"/>
           </a:p>
@@ -2436,7 +2436,7 @@
           <a:p>
             <a:fld id="{E232188F-05DA-42C4-B1BE-248CBD3B705D}" type="datetime1">
               <a:rPr lang="zh-TW" altLang="en-US" smtClean="0"/>
-              <a:t>2023/8/5</a:t>
+              <a:t>2023/8/7</a:t>
             </a:fld>
             <a:endParaRPr lang="zh-TW" altLang="en-US"/>
           </a:p>
@@ -2747,7 +2747,7 @@
           <a:p>
             <a:fld id="{E48569FE-04C3-40FF-AE68-C8C4F17EEBF2}" type="datetime1">
               <a:rPr lang="zh-TW" altLang="en-US" smtClean="0"/>
-              <a:t>2023/8/5</a:t>
+              <a:t>2023/8/7</a:t>
             </a:fld>
             <a:endParaRPr lang="zh-TW" altLang="en-US"/>
           </a:p>
@@ -3035,7 +3035,7 @@
           <a:p>
             <a:fld id="{B10C30B9-DEA7-464E-ACCF-F457559B8DAA}" type="datetime1">
               <a:rPr lang="zh-TW" altLang="en-US" smtClean="0"/>
-              <a:t>2023/8/5</a:t>
+              <a:t>2023/8/7</a:t>
             </a:fld>
             <a:endParaRPr lang="zh-TW" altLang="en-US"/>
           </a:p>
@@ -3276,7 +3276,7 @@
           <a:p>
             <a:fld id="{135B94AF-7C0F-46EA-B86B-23A8DD1D1154}" type="datetime1">
               <a:rPr lang="zh-TW" altLang="en-US" smtClean="0"/>
-              <a:t>2023/8/5</a:t>
+              <a:t>2023/8/7</a:t>
             </a:fld>
             <a:endParaRPr lang="zh-TW" altLang="en-US"/>
           </a:p>
@@ -4418,7 +4418,7 @@
             </a:r>
             <a:r>
               <a:rPr lang="en-US" altLang="zh-TW" dirty="0"/>
-              <a:t>)= 1050 files</a:t>
+              <a:t>)= 1,075 files</a:t>
             </a:r>
           </a:p>
           <a:p>
@@ -4440,7 +4440,7 @@
             </a:r>
             <a:r>
               <a:rPr lang="en-US" altLang="zh-TW" dirty="0"/>
-              <a:t>)= 3,630,774 seconds</a:t>
+              <a:t>)= 3,684,943 seconds</a:t>
             </a:r>
           </a:p>
           <a:p>
@@ -4455,7 +4455,7 @@
             </a:r>
             <a:r>
               <a:rPr lang="en-US" altLang="zh-TW" dirty="0"/>
-              <a:t>)/3600= 1008.548 hours</a:t>
+              <a:t>)/3600= 1023.595 hours</a:t>
             </a:r>
           </a:p>
           <a:p>
@@ -4470,7 +4470,7 @@
             </a:r>
             <a:r>
               <a:rPr lang="en-US" altLang="zh-TW" dirty="0"/>
-              <a:t>)/3600/24= 42.023 days</a:t>
+              <a:t>)/3600/24 = 42.650 days</a:t>
             </a:r>
           </a:p>
           <a:p>
@@ -4488,7 +4488,7 @@
             </a:r>
             <a:r>
               <a:rPr lang="en-US" altLang="zh-TW" dirty="0"/>
-              <a:t>= 10,593,158 chars</a:t>
+              <a:t>= 10,730,898 chars</a:t>
             </a:r>
             <a:endParaRPr lang="zh-TW" altLang="en-US" dirty="0"/>
           </a:p>

--- a/古嚴寺影音逐字稿.pptx
+++ b/古嚴寺影音逐字稿.pptx
@@ -212,7 +212,7 @@
           <a:p>
             <a:fld id="{6A7574EB-902E-41B9-87A8-AF5C59983E90}" type="datetimeFigureOut">
               <a:rPr lang="zh-TW" altLang="en-US" smtClean="0"/>
-              <a:t>2023/8/7</a:t>
+              <a:t>2023/8/9</a:t>
             </a:fld>
             <a:endParaRPr lang="zh-TW" altLang="en-US"/>
           </a:p>
@@ -626,7 +626,7 @@
           <a:p>
             <a:fld id="{7A803C90-F818-40F0-A55E-99CCE2ADDCA5}" type="datetime1">
               <a:rPr lang="zh-TW" altLang="en-US" smtClean="0"/>
-              <a:t>2023/8/7</a:t>
+              <a:t>2023/8/9</a:t>
             </a:fld>
             <a:endParaRPr lang="zh-TW" altLang="en-US"/>
           </a:p>
@@ -824,7 +824,7 @@
           <a:p>
             <a:fld id="{AE654637-3084-4F81-86D4-5D26B1FD01C2}" type="datetime1">
               <a:rPr lang="zh-TW" altLang="en-US" smtClean="0"/>
-              <a:t>2023/8/7</a:t>
+              <a:t>2023/8/9</a:t>
             </a:fld>
             <a:endParaRPr lang="zh-TW" altLang="en-US"/>
           </a:p>
@@ -1032,7 +1032,7 @@
           <a:p>
             <a:fld id="{70D72076-CACA-4FB7-92A5-F1583B88EBC4}" type="datetime1">
               <a:rPr lang="zh-TW" altLang="en-US" smtClean="0"/>
-              <a:t>2023/8/7</a:t>
+              <a:t>2023/8/9</a:t>
             </a:fld>
             <a:endParaRPr lang="zh-TW" altLang="en-US"/>
           </a:p>
@@ -1230,7 +1230,7 @@
           <a:p>
             <a:fld id="{39A23A82-AD3B-4373-8AE5-EB6A5706FD24}" type="datetime1">
               <a:rPr lang="zh-TW" altLang="en-US" smtClean="0"/>
-              <a:t>2023/8/7</a:t>
+              <a:t>2023/8/9</a:t>
             </a:fld>
             <a:endParaRPr lang="zh-TW" altLang="en-US"/>
           </a:p>
@@ -1505,7 +1505,7 @@
           <a:p>
             <a:fld id="{586312EE-2FA2-4B77-B448-AE78B7932239}" type="datetime1">
               <a:rPr lang="zh-TW" altLang="en-US" smtClean="0"/>
-              <a:t>2023/8/7</a:t>
+              <a:t>2023/8/9</a:t>
             </a:fld>
             <a:endParaRPr lang="zh-TW" altLang="en-US"/>
           </a:p>
@@ -1770,7 +1770,7 @@
           <a:p>
             <a:fld id="{875AF1F2-C880-4246-8E52-8131BAF1E75F}" type="datetime1">
               <a:rPr lang="zh-TW" altLang="en-US" smtClean="0"/>
-              <a:t>2023/8/7</a:t>
+              <a:t>2023/8/9</a:t>
             </a:fld>
             <a:endParaRPr lang="zh-TW" altLang="en-US"/>
           </a:p>
@@ -2182,7 +2182,7 @@
           <a:p>
             <a:fld id="{F44ADA36-1B8C-4A3B-B933-98AAA20C2A3B}" type="datetime1">
               <a:rPr lang="zh-TW" altLang="en-US" smtClean="0"/>
-              <a:t>2023/8/7</a:t>
+              <a:t>2023/8/9</a:t>
             </a:fld>
             <a:endParaRPr lang="zh-TW" altLang="en-US"/>
           </a:p>
@@ -2323,7 +2323,7 @@
           <a:p>
             <a:fld id="{14FA6CB4-53C2-4F7A-9435-C02668BD6656}" type="datetime1">
               <a:rPr lang="zh-TW" altLang="en-US" smtClean="0"/>
-              <a:t>2023/8/7</a:t>
+              <a:t>2023/8/9</a:t>
             </a:fld>
             <a:endParaRPr lang="zh-TW" altLang="en-US"/>
           </a:p>
@@ -2436,7 +2436,7 @@
           <a:p>
             <a:fld id="{E232188F-05DA-42C4-B1BE-248CBD3B705D}" type="datetime1">
               <a:rPr lang="zh-TW" altLang="en-US" smtClean="0"/>
-              <a:t>2023/8/7</a:t>
+              <a:t>2023/8/9</a:t>
             </a:fld>
             <a:endParaRPr lang="zh-TW" altLang="en-US"/>
           </a:p>
@@ -2747,7 +2747,7 @@
           <a:p>
             <a:fld id="{E48569FE-04C3-40FF-AE68-C8C4F17EEBF2}" type="datetime1">
               <a:rPr lang="zh-TW" altLang="en-US" smtClean="0"/>
-              <a:t>2023/8/7</a:t>
+              <a:t>2023/8/9</a:t>
             </a:fld>
             <a:endParaRPr lang="zh-TW" altLang="en-US"/>
           </a:p>
@@ -3035,7 +3035,7 @@
           <a:p>
             <a:fld id="{B10C30B9-DEA7-464E-ACCF-F457559B8DAA}" type="datetime1">
               <a:rPr lang="zh-TW" altLang="en-US" smtClean="0"/>
-              <a:t>2023/8/7</a:t>
+              <a:t>2023/8/9</a:t>
             </a:fld>
             <a:endParaRPr lang="zh-TW" altLang="en-US"/>
           </a:p>
@@ -3276,7 +3276,7 @@
           <a:p>
             <a:fld id="{135B94AF-7C0F-46EA-B86B-23A8DD1D1154}" type="datetime1">
               <a:rPr lang="zh-TW" altLang="en-US" smtClean="0"/>
-              <a:t>2023/8/7</a:t>
+              <a:t>2023/8/9</a:t>
             </a:fld>
             <a:endParaRPr lang="zh-TW" altLang="en-US"/>
           </a:p>
@@ -3710,35 +3710,28 @@
             <p:ph type="ctrTitle"/>
           </p:nvPr>
         </p:nvSpPr>
-        <p:spPr/>
+        <p:spPr>
+          <a:xfrm>
+            <a:off x="1524000" y="1122362"/>
+            <a:ext cx="9144000" cy="3889376"/>
+          </a:xfrm>
+        </p:spPr>
         <p:txBody>
           <a:bodyPr>
-            <a:normAutofit fontScale="90000"/>
+            <a:normAutofit/>
           </a:bodyPr>
           <a:lstStyle/>
           <a:p>
             <a:r>
               <a:rPr lang="zh-TW" altLang="en-US" dirty="0"/>
-              <a:t>古嚴寺影音</a:t>
+              <a:t>古嚴寺 影音 </a:t>
             </a:r>
             <a:br>
               <a:rPr lang="en-US" altLang="zh-TW" dirty="0"/>
             </a:br>
             <a:r>
-              <a:rPr lang="en-US" altLang="zh-TW" dirty="0"/>
-              <a:t>1</a:t>
-            </a:r>
-            <a:r>
               <a:rPr lang="zh-TW" altLang="en-US" dirty="0"/>
-              <a:t>千小時、</a:t>
-            </a:r>
-            <a:r>
-              <a:rPr lang="en-US" altLang="zh-TW" dirty="0"/>
-              <a:t>1</a:t>
-            </a:r>
-            <a:r>
-              <a:rPr lang="zh-TW" altLang="en-US" dirty="0"/>
-              <a:t>千萬字</a:t>
+              <a:t>千萬言語</a:t>
             </a:r>
             <a:br>
               <a:rPr lang="en-US" altLang="zh-TW" dirty="0"/>
@@ -3749,8 +3742,59 @@
             </a:r>
             <a:r>
               <a:rPr lang="zh-TW" altLang="en-US" dirty="0"/>
-              <a:t>自動生成字幕</a:t>
-            </a:r>
+              <a:t> 自動生成字幕 </a:t>
+            </a:r>
+            <a:br>
+              <a:rPr lang="en-US" altLang="zh-TW" dirty="0"/>
+            </a:br>
+            <a:br>
+              <a:rPr lang="en-US" altLang="zh-TW" dirty="0"/>
+            </a:br>
+            <a:r>
+              <a:rPr lang="en-US" altLang="zh-TW" sz="3600" dirty="0"/>
+              <a:t>---</a:t>
+            </a:r>
+            <a:r>
+              <a:rPr lang="zh-TW" altLang="en-US" sz="3600" dirty="0"/>
+              <a:t> </a:t>
+            </a:r>
+            <a:r>
+              <a:rPr lang="en-US" altLang="zh-TW" sz="3600" dirty="0"/>
+              <a:t>1</a:t>
+            </a:r>
+            <a:r>
+              <a:rPr lang="zh-TW" altLang="en-US" sz="3600" dirty="0"/>
+              <a:t>千</a:t>
+            </a:r>
+            <a:r>
+              <a:rPr lang="en-US" altLang="zh-TW" sz="3600" dirty="0"/>
+              <a:t>2</a:t>
+            </a:r>
+            <a:r>
+              <a:rPr lang="zh-TW" altLang="en-US" sz="3600" dirty="0"/>
+              <a:t>百小時、</a:t>
+            </a:r>
+            <a:r>
+              <a:rPr lang="en-US" altLang="zh-TW" sz="3600" dirty="0"/>
+              <a:t>1</a:t>
+            </a:r>
+            <a:r>
+              <a:rPr lang="zh-TW" altLang="en-US" sz="3600" dirty="0"/>
+              <a:t>千萬</a:t>
+            </a:r>
+            <a:r>
+              <a:rPr lang="en-US" altLang="zh-TW" sz="3600" dirty="0"/>
+              <a:t>2</a:t>
+            </a:r>
+            <a:r>
+              <a:rPr lang="zh-TW" altLang="en-US" sz="3600" dirty="0"/>
+              <a:t>百萬字 </a:t>
+            </a:r>
+            <a:r>
+              <a:rPr lang="en-US" altLang="zh-TW" sz="3600" dirty="0"/>
+              <a:t>---</a:t>
+            </a:r>
+            <a:endParaRPr lang="zh-TW" altLang="en-US" sz="3600" dirty="0"/>
           </a:p>
         </p:txBody>
       </p:sp>
@@ -3772,8 +3816,8 @@
         </p:nvSpPr>
         <p:spPr>
           <a:xfrm>
-            <a:off x="1524000" y="4229100"/>
-            <a:ext cx="9144000" cy="1028700"/>
+            <a:off x="1524000" y="5221288"/>
+            <a:ext cx="9144000" cy="925512"/>
           </a:xfrm>
         </p:spPr>
         <p:txBody>
@@ -3797,9 +3841,6 @@
               <a:t>/GuyanTrans2023 (github.com)</a:t>
             </a:r>
             <a:endParaRPr lang="en-US" altLang="zh-TW" dirty="0"/>
-          </a:p>
-          <a:p>
-            <a:endParaRPr lang="zh-TW" altLang="en-US" dirty="0"/>
           </a:p>
         </p:txBody>
       </p:sp>
@@ -3906,7 +3947,12 @@
             <p:ph idx="1"/>
           </p:nvPr>
         </p:nvSpPr>
-        <p:spPr/>
+        <p:spPr>
+          <a:xfrm>
+            <a:off x="838200" y="1825625"/>
+            <a:ext cx="6007100" cy="4351338"/>
+          </a:xfrm>
+        </p:spPr>
         <p:txBody>
           <a:bodyPr/>
           <a:lstStyle/>
@@ -3925,11 +3971,27 @@
             </a:r>
             <a:r>
               <a:rPr lang="en-US" altLang="zh-TW" dirty="0"/>
-              <a:t>1,000</a:t>
+              <a:t>1,200</a:t>
             </a:r>
             <a:r>
               <a:rPr lang="zh-TW" altLang="en-US" dirty="0"/>
-              <a:t> 小時</a:t>
+              <a:t> 小時 </a:t>
+            </a:r>
+            <a:r>
+              <a:rPr lang="en-US" altLang="zh-TW" dirty="0"/>
+              <a:t>=</a:t>
+            </a:r>
+            <a:r>
+              <a:rPr lang="zh-TW" altLang="en-US" dirty="0"/>
+              <a:t> </a:t>
+            </a:r>
+            <a:r>
+              <a:rPr lang="en-US" altLang="zh-TW" dirty="0"/>
+              <a:t>50</a:t>
+            </a:r>
+            <a:r>
+              <a:rPr lang="zh-TW" altLang="en-US" dirty="0"/>
+              <a:t> 日</a:t>
             </a:r>
             <a:endParaRPr lang="en-US" altLang="zh-TW" dirty="0"/>
           </a:p>
@@ -3948,7 +4010,7 @@
             </a:r>
             <a:r>
               <a:rPr lang="en-US" altLang="zh-TW" dirty="0"/>
-              <a:t>10,000,000</a:t>
+              <a:t>12,000,000</a:t>
             </a:r>
             <a:r>
               <a:rPr lang="zh-TW" altLang="en-US" dirty="0"/>
@@ -3960,7 +4022,15 @@
             </a:r>
             <a:r>
               <a:rPr lang="zh-TW" altLang="en-US" dirty="0"/>
-              <a:t>千萬</a:t>
+              <a:t>千</a:t>
+            </a:r>
+            <a:r>
+              <a:rPr lang="en-US" altLang="zh-TW" dirty="0"/>
+              <a:t>2</a:t>
+            </a:r>
+            <a:r>
+              <a:rPr lang="zh-TW" altLang="en-US" dirty="0"/>
+              <a:t>百萬</a:t>
             </a:r>
             <a:r>
               <a:rPr lang="en-US" altLang="zh-TW" dirty="0"/>
@@ -3975,7 +4045,7 @@
           <a:p>
             <a:r>
               <a:rPr lang="zh-TW" altLang="en-US" dirty="0"/>
-              <a:t>優先順序</a:t>
+              <a:t>內容分類</a:t>
             </a:r>
             <a:endParaRPr lang="en-US" altLang="zh-TW" dirty="0"/>
           </a:p>
@@ -3983,7 +4053,7 @@
             <a:pPr lvl="1"/>
             <a:r>
               <a:rPr lang="zh-TW" altLang="en-US" dirty="0"/>
-              <a:t>佛學講座，</a:t>
+              <a:t>佛經講座，</a:t>
             </a:r>
             <a:r>
               <a:rPr lang="zh-TW" altLang="en-US" dirty="0">
@@ -4000,6 +4070,30 @@
             </a:endParaRPr>
           </a:p>
           <a:p>
+            <a:pPr lvl="2"/>
+            <a:r>
+              <a:rPr lang="en-US" altLang="zh-TW" dirty="0">
+                <a:solidFill>
+                  <a:srgbClr val="FF0000"/>
+                </a:solidFill>
+              </a:rPr>
+              <a:t>9</a:t>
+            </a:r>
+            <a:r>
+              <a:rPr lang="zh-TW" altLang="en-US" dirty="0">
+                <a:solidFill>
+                  <a:srgbClr val="FF0000"/>
+                </a:solidFill>
+              </a:rPr>
+              <a:t> 百萬字</a:t>
+            </a:r>
+            <a:endParaRPr lang="en-US" altLang="zh-TW" dirty="0">
+              <a:solidFill>
+                <a:srgbClr val="FF0000"/>
+              </a:solidFill>
+            </a:endParaRPr>
+          </a:p>
+          <a:p>
             <a:pPr lvl="1"/>
             <a:r>
               <a:rPr lang="zh-TW" altLang="en-US" dirty="0"/>
@@ -4015,9 +4109,45 @@
             </a:r>
             <a:r>
               <a:rPr lang="zh-TW" altLang="en-US" dirty="0"/>
-              <a:t>、禪二</a:t>
-            </a:r>
-            <a:endParaRPr lang="en-US" altLang="zh-TW" dirty="0"/>
+              <a:t>、</a:t>
+            </a:r>
+            <a:r>
+              <a:rPr lang="zh-TW" altLang="en-US" dirty="0">
+                <a:solidFill>
+                  <a:srgbClr val="FF0000"/>
+                </a:solidFill>
+              </a:rPr>
+              <a:t>禪二</a:t>
+            </a:r>
+            <a:endParaRPr lang="en-US" altLang="zh-TW" dirty="0">
+              <a:solidFill>
+                <a:srgbClr val="FF0000"/>
+              </a:solidFill>
+            </a:endParaRPr>
+          </a:p>
+          <a:p>
+            <a:pPr lvl="2"/>
+            <a:r>
+              <a:rPr lang="en-US" altLang="zh-TW" dirty="0">
+                <a:solidFill>
+                  <a:srgbClr val="FF0000"/>
+                </a:solidFill>
+              </a:rPr>
+              <a:t>3</a:t>
+            </a:r>
+            <a:r>
+              <a:rPr lang="zh-TW" altLang="en-US" dirty="0">
+                <a:solidFill>
+                  <a:srgbClr val="FF0000"/>
+                </a:solidFill>
+              </a:rPr>
+              <a:t> 百萬字</a:t>
+            </a:r>
+            <a:endParaRPr lang="en-US" altLang="zh-TW" dirty="0">
+              <a:solidFill>
+                <a:srgbClr val="FF0000"/>
+              </a:solidFill>
+            </a:endParaRPr>
           </a:p>
           <a:p>
             <a:pPr lvl="1"/>
@@ -4356,141 +4486,20 @@
             <p:ph type="title"/>
           </p:nvPr>
         </p:nvSpPr>
-        <p:spPr/>
-        <p:txBody>
-          <a:bodyPr/>
-          <a:lstStyle/>
-          <a:p>
-            <a:r>
-              <a:rPr lang="zh-TW" altLang="en-US" dirty="0"/>
-              <a:t>進度</a:t>
-            </a:r>
-          </a:p>
-        </p:txBody>
-      </p:sp>
-      <p:sp>
-        <p:nvSpPr>
-          <p:cNvPr id="3" name="內容版面配置區 2">
-            <a:extLst>
-              <a:ext uri="{FF2B5EF4-FFF2-40B4-BE49-F238E27FC236}">
-                <a16:creationId xmlns:a16="http://schemas.microsoft.com/office/drawing/2014/main" id="{77A0BAE5-E0D3-826D-76AD-2B7C14168A21}"/>
-              </a:ext>
-            </a:extLst>
-          </p:cNvPr>
-          <p:cNvSpPr>
-            <a:spLocks noGrp="1"/>
-          </p:cNvSpPr>
-          <p:nvPr>
-            <p:ph idx="1"/>
-          </p:nvPr>
-        </p:nvSpPr>
         <p:spPr>
           <a:xfrm>
-            <a:off x="838200" y="1825625"/>
-            <a:ext cx="5156200" cy="2720975"/>
+            <a:off x="838200" y="365125"/>
+            <a:ext cx="5257800" cy="1325563"/>
           </a:xfrm>
         </p:spPr>
         <p:txBody>
-          <a:bodyPr>
-            <a:normAutofit fontScale="85000" lnSpcReduction="20000"/>
-          </a:bodyPr>
+          <a:bodyPr/>
           <a:lstStyle/>
           <a:p>
             <a:r>
               <a:rPr lang="zh-TW" altLang="en-US" dirty="0"/>
-              <a:t>影片檔總數</a:t>
-            </a:r>
-            <a:endParaRPr lang="en-US" altLang="zh-TW" dirty="0"/>
-          </a:p>
-          <a:p>
-            <a:pPr lvl="1"/>
-            <a:r>
-              <a:rPr lang="en-US" altLang="zh-TW" dirty="0" err="1"/>
-              <a:t>len</a:t>
-            </a:r>
-            <a:r>
-              <a:rPr lang="en-US" altLang="zh-TW" dirty="0"/>
-              <a:t>(</a:t>
-            </a:r>
-            <a:r>
-              <a:rPr lang="en-US" altLang="zh-TW" dirty="0" err="1"/>
-              <a:t>nL</a:t>
-            </a:r>
-            <a:r>
-              <a:rPr lang="en-US" altLang="zh-TW" dirty="0"/>
-              <a:t>)= 1,075 files</a:t>
-            </a:r>
-          </a:p>
-          <a:p>
-            <a:r>
-              <a:rPr lang="zh-TW" altLang="en-US" dirty="0"/>
-              <a:t>影片時間總長</a:t>
-            </a:r>
-            <a:endParaRPr lang="en-US" altLang="zh-TW" dirty="0"/>
-          </a:p>
-          <a:p>
-            <a:pPr lvl="1"/>
-            <a:r>
-              <a:rPr lang="en-US" altLang="zh-TW" dirty="0"/>
-              <a:t>sum(</a:t>
-            </a:r>
-            <a:r>
-              <a:rPr lang="en-US" altLang="zh-TW" dirty="0" err="1"/>
-              <a:t>tL</a:t>
-            </a:r>
-            <a:r>
-              <a:rPr lang="en-US" altLang="zh-TW" dirty="0"/>
-              <a:t>)= 3,684,943 seconds</a:t>
-            </a:r>
-          </a:p>
-          <a:p>
-            <a:pPr lvl="1"/>
-            <a:r>
-              <a:rPr lang="en-US" altLang="zh-TW" dirty="0"/>
-              <a:t>sum(</a:t>
-            </a:r>
-            <a:r>
-              <a:rPr lang="en-US" altLang="zh-TW" dirty="0" err="1"/>
-              <a:t>tL</a:t>
-            </a:r>
-            <a:r>
-              <a:rPr lang="en-US" altLang="zh-TW" dirty="0"/>
-              <a:t>)/3600= 1023.595 hours</a:t>
-            </a:r>
-          </a:p>
-          <a:p>
-            <a:pPr lvl="1"/>
-            <a:r>
-              <a:rPr lang="en-US" altLang="zh-TW" dirty="0"/>
-              <a:t>sum(</a:t>
-            </a:r>
-            <a:r>
-              <a:rPr lang="en-US" altLang="zh-TW" dirty="0" err="1"/>
-              <a:t>tL</a:t>
-            </a:r>
-            <a:r>
-              <a:rPr lang="en-US" altLang="zh-TW" dirty="0"/>
-              <a:t>)/3600/24 = 42.650 days</a:t>
-            </a:r>
-          </a:p>
-          <a:p>
-            <a:r>
-              <a:rPr lang="zh-TW" altLang="en-US" dirty="0"/>
-              <a:t>逐字稿總字數</a:t>
-            </a:r>
-            <a:endParaRPr lang="en-US" altLang="zh-TW" dirty="0"/>
-          </a:p>
-          <a:p>
-            <a:pPr lvl="1"/>
-            <a:r>
-              <a:rPr lang="en-US" altLang="zh-TW" dirty="0" err="1"/>
-              <a:t>numCh</a:t>
-            </a:r>
-            <a:r>
-              <a:rPr lang="en-US" altLang="zh-TW" dirty="0"/>
-              <a:t>= 10,730,898 chars</a:t>
-            </a:r>
-            <a:endParaRPr lang="zh-TW" altLang="en-US" dirty="0"/>
+              <a:t>工作計畫進度</a:t>
+            </a:r>
           </a:p>
         </p:txBody>
       </p:sp>
@@ -4510,7 +4519,7 @@
         </p:nvSpPr>
         <p:spPr>
           <a:xfrm>
-            <a:off x="6197602" y="1690688"/>
+            <a:off x="6451601" y="1690688"/>
             <a:ext cx="4546598" cy="2720975"/>
           </a:xfrm>
           <a:prstGeom prst="rect">
@@ -4688,7 +4697,7 @@
           <a:p>
             <a:r>
               <a:rPr lang="zh-TW" altLang="en-US" dirty="0"/>
-              <a:t>招募義工</a:t>
+              <a:t>人力支援</a:t>
             </a:r>
             <a:endParaRPr lang="en-US" altLang="zh-TW" dirty="0"/>
           </a:p>
@@ -4823,7 +4832,158 @@
               <a:rPr lang="zh-TW" altLang="en-US" smtClean="0"/>
               <a:t>4</a:t>
             </a:fld>
-            <a:endParaRPr lang="zh-TW" altLang="en-US"/>
+            <a:endParaRPr lang="zh-TW" altLang="en-US" dirty="0"/>
+          </a:p>
+        </p:txBody>
+      </p:sp>
+      <p:sp>
+        <p:nvSpPr>
+          <p:cNvPr id="9" name="內容版面配置區 8">
+            <a:extLst>
+              <a:ext uri="{FF2B5EF4-FFF2-40B4-BE49-F238E27FC236}">
+                <a16:creationId xmlns:a16="http://schemas.microsoft.com/office/drawing/2014/main" id="{055D8EB2-3D68-8A66-EAAA-50B5BB4E108D}"/>
+              </a:ext>
+            </a:extLst>
+          </p:cNvPr>
+          <p:cNvSpPr>
+            <a:spLocks noGrp="1"/>
+          </p:cNvSpPr>
+          <p:nvPr>
+            <p:ph idx="1"/>
+          </p:nvPr>
+        </p:nvSpPr>
+        <p:spPr>
+          <a:xfrm>
+            <a:off x="838200" y="1690689"/>
+            <a:ext cx="5257800" cy="3681412"/>
+          </a:xfrm>
+        </p:spPr>
+        <p:txBody>
+          <a:bodyPr/>
+          <a:lstStyle/>
+          <a:p>
+            <a:pPr marL="285750" indent="-285750">
+              <a:buFont typeface="Arial" panose="020B0604020202020204" pitchFamily="34" charset="0"/>
+              <a:buChar char="•"/>
+            </a:pPr>
+            <a:r>
+              <a:rPr lang="zh-TW" altLang="en-US" dirty="0"/>
+              <a:t>檔總數</a:t>
+            </a:r>
+            <a:endParaRPr lang="en-US" altLang="zh-TW" dirty="0"/>
+          </a:p>
+          <a:p>
+            <a:pPr marL="742950" lvl="1" indent="-285750">
+              <a:buFont typeface="Arial" panose="020B0604020202020204" pitchFamily="34" charset="0"/>
+              <a:buChar char="•"/>
+            </a:pPr>
+            <a:r>
+              <a:rPr lang="en-US" altLang="zh-TW" dirty="0" err="1"/>
+              <a:t>len</a:t>
+            </a:r>
+            <a:r>
+              <a:rPr lang="en-US" altLang="zh-TW" dirty="0"/>
+              <a:t>(</a:t>
+            </a:r>
+            <a:r>
+              <a:rPr lang="en-US" altLang="zh-TW" dirty="0" err="1"/>
+              <a:t>nL</a:t>
+            </a:r>
+            <a:r>
+              <a:rPr lang="en-US" altLang="zh-TW" dirty="0"/>
+              <a:t>)=         1,317 files</a:t>
+            </a:r>
+          </a:p>
+          <a:p>
+            <a:pPr marL="285750" indent="-285750">
+              <a:buFont typeface="Arial" panose="020B0604020202020204" pitchFamily="34" charset="0"/>
+              <a:buChar char="•"/>
+            </a:pPr>
+            <a:r>
+              <a:rPr lang="zh-TW" altLang="en-US" dirty="0"/>
+              <a:t>時間總長</a:t>
+            </a:r>
+            <a:endParaRPr lang="en-US" altLang="zh-TW" dirty="0"/>
+          </a:p>
+          <a:p>
+            <a:pPr marL="742950" lvl="1" indent="-285750">
+              <a:buFont typeface="Arial" panose="020B0604020202020204" pitchFamily="34" charset="0"/>
+              <a:buChar char="•"/>
+            </a:pPr>
+            <a:r>
+              <a:rPr lang="en-US" altLang="zh-TW" dirty="0"/>
+              <a:t>sum(</a:t>
+            </a:r>
+            <a:r>
+              <a:rPr lang="en-US" altLang="zh-TW" dirty="0" err="1"/>
+              <a:t>tL</a:t>
+            </a:r>
+            <a:r>
+              <a:rPr lang="en-US" altLang="zh-TW" dirty="0"/>
+              <a:t>)=         4,394,252 seconds</a:t>
+            </a:r>
+          </a:p>
+          <a:p>
+            <a:pPr marL="742950" lvl="1" indent="-285750">
+              <a:buFont typeface="Arial" panose="020B0604020202020204" pitchFamily="34" charset="0"/>
+              <a:buChar char="•"/>
+            </a:pPr>
+            <a:r>
+              <a:rPr lang="en-US" altLang="zh-TW" dirty="0"/>
+              <a:t>sum(</a:t>
+            </a:r>
+            <a:r>
+              <a:rPr lang="en-US" altLang="zh-TW" dirty="0" err="1"/>
+              <a:t>tL</a:t>
+            </a:r>
+            <a:r>
+              <a:rPr lang="en-US" altLang="zh-TW" dirty="0"/>
+              <a:t>)/3600=    1220.626 hours</a:t>
+            </a:r>
+          </a:p>
+          <a:p>
+            <a:pPr marL="742950" lvl="1" indent="-285750">
+              <a:buFont typeface="Arial" panose="020B0604020202020204" pitchFamily="34" charset="0"/>
+              <a:buChar char="•"/>
+            </a:pPr>
+            <a:r>
+              <a:rPr lang="en-US" altLang="zh-TW" dirty="0"/>
+              <a:t>sum(</a:t>
+            </a:r>
+            <a:r>
+              <a:rPr lang="en-US" altLang="zh-TW" dirty="0" err="1"/>
+              <a:t>tL</a:t>
+            </a:r>
+            <a:r>
+              <a:rPr lang="en-US" altLang="zh-TW" dirty="0"/>
+              <a:t>)/3600/24= 50.859 days</a:t>
+            </a:r>
+          </a:p>
+          <a:p>
+            <a:pPr marL="285750" indent="-285750">
+              <a:buFont typeface="Arial" panose="020B0604020202020204" pitchFamily="34" charset="0"/>
+              <a:buChar char="•"/>
+            </a:pPr>
+            <a:r>
+              <a:rPr lang="zh-TW" altLang="en-US" dirty="0"/>
+              <a:t>總字數</a:t>
+            </a:r>
+            <a:endParaRPr lang="en-US" altLang="zh-TW" dirty="0"/>
+          </a:p>
+          <a:p>
+            <a:pPr marL="742950" lvl="1" indent="-285750">
+              <a:buFont typeface="Arial" panose="020B0604020202020204" pitchFamily="34" charset="0"/>
+              <a:buChar char="•"/>
+            </a:pPr>
+            <a:r>
+              <a:rPr lang="en-US" altLang="zh-TW" dirty="0" err="1"/>
+              <a:t>numCh</a:t>
+            </a:r>
+            <a:r>
+              <a:rPr lang="en-US" altLang="zh-TW" dirty="0"/>
+              <a:t>=           12,577,217 chars</a:t>
+            </a:r>
+            <a:endParaRPr lang="zh-TW" altLang="en-US" dirty="0"/>
           </a:p>
         </p:txBody>
       </p:sp>
@@ -4879,9 +5039,10 @@
           <a:lstStyle/>
           <a:p>
             <a:r>
-              <a:rPr lang="zh-TW" altLang="en-US" dirty="0"/>
-              <a:t>任務示範</a:t>
-            </a:r>
+              <a:rPr lang="zh-TW" altLang="en-US"/>
+              <a:t>工作示範</a:t>
+            </a:r>
+            <a:endParaRPr lang="zh-TW" altLang="en-US" dirty="0"/>
           </a:p>
         </p:txBody>
       </p:sp>
@@ -4901,7 +5062,12 @@
             <p:ph idx="1"/>
           </p:nvPr>
         </p:nvSpPr>
-        <p:spPr/>
+        <p:spPr>
+          <a:xfrm>
+            <a:off x="838200" y="1825625"/>
+            <a:ext cx="10515600" cy="2378075"/>
+          </a:xfrm>
+        </p:spPr>
         <p:txBody>
           <a:bodyPr/>
           <a:lstStyle/>
@@ -4923,7 +5089,15 @@
             </a:r>
             <a:r>
               <a:rPr lang="zh-TW" altLang="en-US" dirty="0"/>
-              <a:t> 打開古嚴寺影音 </a:t>
+              <a:t> 打開 </a:t>
+            </a:r>
+            <a:r>
+              <a:rPr lang="en-US" altLang="zh-TW" dirty="0" err="1"/>
+              <a:t>Youtube</a:t>
+            </a:r>
+            <a:r>
+              <a:rPr lang="zh-TW" altLang="en-US" dirty="0"/>
+              <a:t> 影音 </a:t>
             </a:r>
             <a:endParaRPr lang="en-US" altLang="zh-TW" dirty="0"/>
           </a:p>
@@ -4934,18 +5108,18 @@
             </a:r>
             <a:r>
               <a:rPr lang="zh-TW" altLang="en-US" dirty="0"/>
-              <a:t>邊聽邊改</a:t>
+              <a:t>邊聽邊確認及修改</a:t>
             </a:r>
             <a:endParaRPr lang="en-US" altLang="zh-TW" dirty="0"/>
           </a:p>
           <a:p>
             <a:r>
-              <a:rPr lang="en-US" altLang="zh-TW"/>
+              <a:rPr lang="en-US" altLang="zh-TW" dirty="0"/>
               <a:t>….</a:t>
             </a:r>
           </a:p>
           <a:p>
-            <a:endParaRPr lang="zh-TW" altLang="en-US"/>
+            <a:endParaRPr lang="zh-TW" altLang="en-US" dirty="0"/>
           </a:p>
         </p:txBody>
       </p:sp>

--- a/古嚴寺影音逐字稿.pptx
+++ b/古嚴寺影音逐字稿.pptx
@@ -212,7 +212,7 @@
           <a:p>
             <a:fld id="{6A7574EB-902E-41B9-87A8-AF5C59983E90}" type="datetimeFigureOut">
               <a:rPr lang="zh-TW" altLang="en-US" smtClean="0"/>
-              <a:t>2023/8/9</a:t>
+              <a:t>2023/8/10</a:t>
             </a:fld>
             <a:endParaRPr lang="zh-TW" altLang="en-US"/>
           </a:p>
@@ -626,7 +626,7 @@
           <a:p>
             <a:fld id="{7A803C90-F818-40F0-A55E-99CCE2ADDCA5}" type="datetime1">
               <a:rPr lang="zh-TW" altLang="en-US" smtClean="0"/>
-              <a:t>2023/8/9</a:t>
+              <a:t>2023/8/10</a:t>
             </a:fld>
             <a:endParaRPr lang="zh-TW" altLang="en-US"/>
           </a:p>
@@ -824,7 +824,7 @@
           <a:p>
             <a:fld id="{AE654637-3084-4F81-86D4-5D26B1FD01C2}" type="datetime1">
               <a:rPr lang="zh-TW" altLang="en-US" smtClean="0"/>
-              <a:t>2023/8/9</a:t>
+              <a:t>2023/8/10</a:t>
             </a:fld>
             <a:endParaRPr lang="zh-TW" altLang="en-US"/>
           </a:p>
@@ -1032,7 +1032,7 @@
           <a:p>
             <a:fld id="{70D72076-CACA-4FB7-92A5-F1583B88EBC4}" type="datetime1">
               <a:rPr lang="zh-TW" altLang="en-US" smtClean="0"/>
-              <a:t>2023/8/9</a:t>
+              <a:t>2023/8/10</a:t>
             </a:fld>
             <a:endParaRPr lang="zh-TW" altLang="en-US"/>
           </a:p>
@@ -1230,7 +1230,7 @@
           <a:p>
             <a:fld id="{39A23A82-AD3B-4373-8AE5-EB6A5706FD24}" type="datetime1">
               <a:rPr lang="zh-TW" altLang="en-US" smtClean="0"/>
-              <a:t>2023/8/9</a:t>
+              <a:t>2023/8/10</a:t>
             </a:fld>
             <a:endParaRPr lang="zh-TW" altLang="en-US"/>
           </a:p>
@@ -1505,7 +1505,7 @@
           <a:p>
             <a:fld id="{586312EE-2FA2-4B77-B448-AE78B7932239}" type="datetime1">
               <a:rPr lang="zh-TW" altLang="en-US" smtClean="0"/>
-              <a:t>2023/8/9</a:t>
+              <a:t>2023/8/10</a:t>
             </a:fld>
             <a:endParaRPr lang="zh-TW" altLang="en-US"/>
           </a:p>
@@ -1770,7 +1770,7 @@
           <a:p>
             <a:fld id="{875AF1F2-C880-4246-8E52-8131BAF1E75F}" type="datetime1">
               <a:rPr lang="zh-TW" altLang="en-US" smtClean="0"/>
-              <a:t>2023/8/9</a:t>
+              <a:t>2023/8/10</a:t>
             </a:fld>
             <a:endParaRPr lang="zh-TW" altLang="en-US"/>
           </a:p>
@@ -2182,7 +2182,7 @@
           <a:p>
             <a:fld id="{F44ADA36-1B8C-4A3B-B933-98AAA20C2A3B}" type="datetime1">
               <a:rPr lang="zh-TW" altLang="en-US" smtClean="0"/>
-              <a:t>2023/8/9</a:t>
+              <a:t>2023/8/10</a:t>
             </a:fld>
             <a:endParaRPr lang="zh-TW" altLang="en-US"/>
           </a:p>
@@ -2323,7 +2323,7 @@
           <a:p>
             <a:fld id="{14FA6CB4-53C2-4F7A-9435-C02668BD6656}" type="datetime1">
               <a:rPr lang="zh-TW" altLang="en-US" smtClean="0"/>
-              <a:t>2023/8/9</a:t>
+              <a:t>2023/8/10</a:t>
             </a:fld>
             <a:endParaRPr lang="zh-TW" altLang="en-US"/>
           </a:p>
@@ -2436,7 +2436,7 @@
           <a:p>
             <a:fld id="{E232188F-05DA-42C4-B1BE-248CBD3B705D}" type="datetime1">
               <a:rPr lang="zh-TW" altLang="en-US" smtClean="0"/>
-              <a:t>2023/8/9</a:t>
+              <a:t>2023/8/10</a:t>
             </a:fld>
             <a:endParaRPr lang="zh-TW" altLang="en-US"/>
           </a:p>
@@ -2747,7 +2747,7 @@
           <a:p>
             <a:fld id="{E48569FE-04C3-40FF-AE68-C8C4F17EEBF2}" type="datetime1">
               <a:rPr lang="zh-TW" altLang="en-US" smtClean="0"/>
-              <a:t>2023/8/9</a:t>
+              <a:t>2023/8/10</a:t>
             </a:fld>
             <a:endParaRPr lang="zh-TW" altLang="en-US"/>
           </a:p>
@@ -3035,7 +3035,7 @@
           <a:p>
             <a:fld id="{B10C30B9-DEA7-464E-ACCF-F457559B8DAA}" type="datetime1">
               <a:rPr lang="zh-TW" altLang="en-US" smtClean="0"/>
-              <a:t>2023/8/9</a:t>
+              <a:t>2023/8/10</a:t>
             </a:fld>
             <a:endParaRPr lang="zh-TW" altLang="en-US"/>
           </a:p>
@@ -3276,7 +3276,7 @@
           <a:p>
             <a:fld id="{135B94AF-7C0F-46EA-B86B-23A8DD1D1154}" type="datetime1">
               <a:rPr lang="zh-TW" altLang="en-US" smtClean="0"/>
-              <a:t>2023/8/9</a:t>
+              <a:t>2023/8/10</a:t>
             </a:fld>
             <a:endParaRPr lang="zh-TW" altLang="en-US"/>
           </a:p>
@@ -3712,37 +3712,65 @@
         </p:nvSpPr>
         <p:spPr>
           <a:xfrm>
-            <a:off x="1524000" y="1122362"/>
-            <a:ext cx="9144000" cy="3889376"/>
+            <a:off x="1524000" y="343542"/>
+            <a:ext cx="9144000" cy="3659187"/>
           </a:xfrm>
         </p:spPr>
         <p:txBody>
           <a:bodyPr>
-            <a:normAutofit/>
+            <a:normAutofit fontScale="90000"/>
           </a:bodyPr>
           <a:lstStyle/>
           <a:p>
             <a:r>
               <a:rPr lang="zh-TW" altLang="en-US" dirty="0"/>
-              <a:t>古嚴寺 影音 </a:t>
+              <a:t>古嚴寺</a:t>
             </a:r>
             <a:br>
               <a:rPr lang="en-US" altLang="zh-TW" dirty="0"/>
             </a:br>
             <a:r>
-              <a:rPr lang="zh-TW" altLang="en-US" dirty="0"/>
-              <a:t>千萬言語</a:t>
+              <a:rPr lang="en-US" altLang="zh-TW" dirty="0"/>
+              <a:t>1</a:t>
+            </a:r>
+            <a:r>
+              <a:rPr lang="zh-TW" altLang="en-US" sz="6000" dirty="0"/>
+              <a:t>千</a:t>
+            </a:r>
+            <a:r>
+              <a:rPr lang="en-US" altLang="zh-TW" sz="6000" dirty="0"/>
+              <a:t>2</a:t>
+            </a:r>
+            <a:r>
+              <a:rPr lang="zh-TW" altLang="en-US" sz="6000" dirty="0"/>
+              <a:t>百</a:t>
+            </a:r>
+            <a:r>
+              <a:rPr lang="en-US" altLang="zh-TW" sz="6000" dirty="0"/>
+              <a:t>5</a:t>
+            </a:r>
+            <a:r>
+              <a:rPr lang="zh-TW" altLang="en-US" sz="6000" dirty="0"/>
+              <a:t>十 萬</a:t>
+            </a:r>
+            <a:r>
+              <a:rPr lang="zh-TW" altLang="en-US" dirty="0"/>
+              <a:t>言</a:t>
             </a:r>
             <a:br>
               <a:rPr lang="en-US" altLang="zh-TW" dirty="0"/>
             </a:br>
             <a:r>
-              <a:rPr lang="en-US" altLang="zh-TW" dirty="0"/>
-              <a:t>AI</a:t>
-            </a:r>
-            <a:r>
-              <a:rPr lang="zh-TW" altLang="en-US" dirty="0"/>
-              <a:t> 自動生成字幕 </a:t>
+              <a:rPr lang="zh-TW" altLang="en-US" dirty="0"/>
+              <a:t>人工智慧</a:t>
+            </a:r>
+            <a:r>
+              <a:rPr lang="en-US" altLang="zh-TW" dirty="0"/>
+              <a:t>(AI)</a:t>
+            </a:r>
+            <a:r>
+              <a:rPr lang="zh-TW" altLang="en-US" dirty="0"/>
+              <a:t> 生成 影音 字幕 </a:t>
             </a:r>
             <a:br>
               <a:rPr lang="en-US" altLang="zh-TW" dirty="0"/>
@@ -3752,7 +3780,7 @@
             </a:br>
             <a:r>
               <a:rPr lang="en-US" altLang="zh-TW" sz="3600" dirty="0"/>
-              <a:t>---</a:t>
+              <a:t>~</a:t>
             </a:r>
             <a:r>
               <a:rPr lang="zh-TW" altLang="en-US" sz="3600" dirty="0"/>
@@ -3772,7 +3800,15 @@
             </a:r>
             <a:r>
               <a:rPr lang="zh-TW" altLang="en-US" sz="3600" dirty="0"/>
-              <a:t>百小時、</a:t>
+              <a:t>百</a:t>
+            </a:r>
+            <a:r>
+              <a:rPr lang="en-US" altLang="zh-TW" sz="3600" dirty="0"/>
+              <a:t>5</a:t>
+            </a:r>
+            <a:r>
+              <a:rPr lang="zh-TW" altLang="en-US" sz="3600" dirty="0"/>
+              <a:t>十 小時、</a:t>
             </a:r>
             <a:r>
               <a:rPr lang="en-US" altLang="zh-TW" sz="3600" dirty="0"/>
@@ -3780,7 +3816,7 @@
             </a:r>
             <a:r>
               <a:rPr lang="zh-TW" altLang="en-US" sz="3600" dirty="0"/>
-              <a:t>千萬</a:t>
+              <a:t>千</a:t>
             </a:r>
             <a:r>
               <a:rPr lang="en-US" altLang="zh-TW" sz="3600" dirty="0"/>
@@ -3788,11 +3824,19 @@
             </a:r>
             <a:r>
               <a:rPr lang="zh-TW" altLang="en-US" sz="3600" dirty="0"/>
-              <a:t>百萬字 </a:t>
+              <a:t>百</a:t>
             </a:r>
             <a:r>
               <a:rPr lang="en-US" altLang="zh-TW" sz="3600" dirty="0"/>
-              <a:t>---</a:t>
+              <a:t>5</a:t>
+            </a:r>
+            <a:r>
+              <a:rPr lang="zh-TW" altLang="en-US" sz="3600" dirty="0"/>
+              <a:t>十 萬字 </a:t>
+            </a:r>
+            <a:r>
+              <a:rPr lang="en-US" altLang="zh-TW" sz="3600" dirty="0"/>
+              <a:t>~</a:t>
             </a:r>
             <a:endParaRPr lang="zh-TW" altLang="en-US" sz="3600" dirty="0"/>
           </a:p>
@@ -3816,8 +3860,8 @@
         </p:nvSpPr>
         <p:spPr>
           <a:xfrm>
-            <a:off x="1524000" y="5221288"/>
-            <a:ext cx="9144000" cy="925512"/>
+            <a:off x="6995742" y="4414084"/>
+            <a:ext cx="4203700" cy="925512"/>
           </a:xfrm>
         </p:spPr>
         <p:txBody>
@@ -3870,6 +3914,208 @@
               <a:t>1</a:t>
             </a:fld>
             <a:endParaRPr lang="zh-TW" altLang="en-US"/>
+          </a:p>
+        </p:txBody>
+      </p:sp>
+      <p:sp>
+        <p:nvSpPr>
+          <p:cNvPr id="6" name="文字方塊 5">
+            <a:extLst>
+              <a:ext uri="{FF2B5EF4-FFF2-40B4-BE49-F238E27FC236}">
+                <a16:creationId xmlns:a16="http://schemas.microsoft.com/office/drawing/2014/main" id="{59BE5C3B-B71E-9944-FE48-F91C3A32BC70}"/>
+              </a:ext>
+            </a:extLst>
+          </p:cNvPr>
+          <p:cNvSpPr txBox="1"/>
+          <p:nvPr/>
+        </p:nvSpPr>
+        <p:spPr>
+          <a:xfrm>
+            <a:off x="2076861" y="4230588"/>
+            <a:ext cx="3009079" cy="2308324"/>
+          </a:xfrm>
+          <a:prstGeom prst="rect">
+            <a:avLst/>
+          </a:prstGeom>
+          <a:noFill/>
+        </p:spPr>
+        <p:txBody>
+          <a:bodyPr wrap="square">
+            <a:spAutoFit/>
+          </a:bodyPr>
+          <a:lstStyle/>
+          <a:p>
+            <a:r>
+              <a:rPr lang="zh-TW" altLang="en-US" dirty="0"/>
+              <a:t>如是我聞，</a:t>
+            </a:r>
+            <a:endParaRPr lang="en-US" altLang="zh-TW" dirty="0"/>
+          </a:p>
+          <a:p>
+            <a:r>
+              <a:rPr lang="zh-TW" altLang="en-US" dirty="0"/>
+              <a:t>一時，佛</a:t>
+            </a:r>
+            <a:r>
+              <a:rPr lang="en-US" altLang="zh-TW" dirty="0"/>
+              <a:t>(Buddha) </a:t>
+            </a:r>
+          </a:p>
+          <a:p>
+            <a:r>
+              <a:rPr lang="zh-TW" altLang="en-US" dirty="0"/>
+              <a:t>在 室羅筏城</a:t>
+            </a:r>
+            <a:r>
+              <a:rPr lang="en-US" altLang="zh-TW" dirty="0"/>
+              <a:t>(</a:t>
+            </a:r>
+            <a:r>
+              <a:rPr lang="en-US" altLang="zh-TW" dirty="0" err="1"/>
+              <a:t>Śrāvastī</a:t>
+            </a:r>
+            <a:r>
+              <a:rPr lang="en-US" altLang="zh-TW" dirty="0"/>
+              <a:t>;)</a:t>
+            </a:r>
+            <a:r>
+              <a:rPr lang="zh-TW" altLang="en-US" dirty="0"/>
+              <a:t>，</a:t>
+            </a:r>
+            <a:endParaRPr lang="en-US" altLang="zh-TW" dirty="0"/>
+          </a:p>
+          <a:p>
+            <a:r>
+              <a:rPr lang="zh-TW" altLang="en-US" dirty="0"/>
+              <a:t>祇桓精舍 </a:t>
+            </a:r>
+            <a:r>
+              <a:rPr lang="en-US" altLang="zh-TW" dirty="0"/>
+              <a:t>(</a:t>
+            </a:r>
+            <a:r>
+              <a:rPr lang="en-US" altLang="zh-TW" dirty="0" err="1"/>
+              <a:t>Jetavana-vihāra</a:t>
+            </a:r>
+            <a:r>
+              <a:rPr lang="en-US" altLang="zh-TW" dirty="0"/>
+              <a:t>)</a:t>
+            </a:r>
+            <a:r>
+              <a:rPr lang="zh-TW" altLang="en-US" dirty="0"/>
+              <a:t>。</a:t>
+            </a:r>
+            <a:endParaRPr lang="en-US" altLang="zh-TW" dirty="0"/>
+          </a:p>
+          <a:p>
+            <a:r>
+              <a:rPr lang="zh-TW" altLang="en-US" dirty="0"/>
+              <a:t>與 大比丘 </a:t>
+            </a:r>
+            <a:r>
+              <a:rPr lang="en-US" altLang="zh-TW" dirty="0"/>
+              <a:t>(</a:t>
+            </a:r>
+            <a:r>
+              <a:rPr lang="en-US" altLang="zh-TW" dirty="0" err="1"/>
+              <a:t>bhikṣu</a:t>
+            </a:r>
+            <a:r>
+              <a:rPr lang="en-US" altLang="zh-TW" dirty="0"/>
+              <a:t>)</a:t>
+            </a:r>
+            <a:r>
+              <a:rPr lang="zh-TW" altLang="en-US" dirty="0"/>
+              <a:t> 眾，</a:t>
+            </a:r>
+            <a:endParaRPr lang="en-US" altLang="zh-TW" dirty="0"/>
+          </a:p>
+          <a:p>
+            <a:r>
+              <a:rPr lang="zh-TW" altLang="en-US" b="1" dirty="0">
+                <a:solidFill>
+                  <a:srgbClr val="FF0000"/>
+                </a:solidFill>
+              </a:rPr>
+              <a:t>千二百五十人</a:t>
+            </a:r>
+            <a:r>
+              <a:rPr lang="zh-TW" altLang="en-US" dirty="0"/>
+              <a:t>俱。</a:t>
+            </a:r>
+            <a:endParaRPr lang="en-US" altLang="zh-TW" dirty="0"/>
+          </a:p>
+          <a:p>
+            <a:r>
+              <a:rPr lang="zh-TW" altLang="en-US" dirty="0"/>
+              <a:t>皆是 無漏 </a:t>
+            </a:r>
+            <a:r>
+              <a:rPr lang="en-US" altLang="zh-TW" dirty="0"/>
+              <a:t>(</a:t>
+            </a:r>
+            <a:r>
+              <a:rPr lang="en-US" altLang="zh-TW" dirty="0" err="1"/>
+              <a:t>Anāśrava</a:t>
+            </a:r>
+            <a:r>
+              <a:rPr lang="en-US" altLang="zh-TW" dirty="0"/>
+              <a:t>)</a:t>
+            </a:r>
+          </a:p>
+          <a:p>
+            <a:r>
+              <a:rPr lang="zh-TW" altLang="en-US" dirty="0"/>
+              <a:t>大 阿羅漢 </a:t>
+            </a:r>
+            <a:r>
+              <a:rPr lang="en-US" altLang="zh-TW" dirty="0"/>
+              <a:t>(Arhat)</a:t>
+            </a:r>
+            <a:r>
+              <a:rPr lang="zh-TW" altLang="en-US" dirty="0"/>
+              <a:t>、、、</a:t>
+            </a:r>
+          </a:p>
+        </p:txBody>
+      </p:sp>
+      <p:sp>
+        <p:nvSpPr>
+          <p:cNvPr id="7" name="文字方塊 6">
+            <a:extLst>
+              <a:ext uri="{FF2B5EF4-FFF2-40B4-BE49-F238E27FC236}">
+                <a16:creationId xmlns:a16="http://schemas.microsoft.com/office/drawing/2014/main" id="{9D78B696-0EC4-0EEF-0306-8E67ABE45E2E}"/>
+              </a:ext>
+            </a:extLst>
+          </p:cNvPr>
+          <p:cNvSpPr txBox="1"/>
+          <p:nvPr/>
+        </p:nvSpPr>
+        <p:spPr>
+          <a:xfrm>
+            <a:off x="7812143" y="5855466"/>
+            <a:ext cx="2570897" cy="369332"/>
+          </a:xfrm>
+          <a:prstGeom prst="rect">
+            <a:avLst/>
+          </a:prstGeom>
+          <a:noFill/>
+        </p:spPr>
+        <p:txBody>
+          <a:bodyPr wrap="none" rtlCol="0">
+            <a:spAutoFit/>
+          </a:bodyPr>
+          <a:lstStyle/>
+          <a:p>
+            <a:r>
+              <a:rPr lang="zh-TW" altLang="en-US" dirty="0"/>
+              <a:t>明挌 </a:t>
+            </a:r>
+            <a:r>
+              <a:rPr lang="en-US" altLang="zh-TW" dirty="0"/>
+              <a:t>(Bing-Kik / Ming-Ka)</a:t>
+            </a:r>
+            <a:endParaRPr lang="zh-TW" altLang="en-US" dirty="0"/>
           </a:p>
         </p:txBody>
       </p:sp>
@@ -3949,12 +4195,14 @@
         </p:nvSpPr>
         <p:spPr>
           <a:xfrm>
-            <a:off x="838200" y="1825625"/>
-            <a:ext cx="6007100" cy="4351338"/>
+            <a:off x="838199" y="1825625"/>
+            <a:ext cx="7192617" cy="4351338"/>
           </a:xfrm>
         </p:spPr>
         <p:txBody>
-          <a:bodyPr/>
+          <a:bodyPr>
+            <a:normAutofit/>
+          </a:bodyPr>
           <a:lstStyle/>
           <a:p>
             <a:r>
@@ -3971,7 +4219,7 @@
             </a:r>
             <a:r>
               <a:rPr lang="en-US" altLang="zh-TW" dirty="0"/>
-              <a:t>1,200</a:t>
+              <a:t>1,250</a:t>
             </a:r>
             <a:r>
               <a:rPr lang="zh-TW" altLang="en-US" dirty="0"/>
@@ -3987,7 +4235,7 @@
             </a:r>
             <a:r>
               <a:rPr lang="en-US" altLang="zh-TW" dirty="0"/>
-              <a:t>50</a:t>
+              <a:t>52</a:t>
             </a:r>
             <a:r>
               <a:rPr lang="zh-TW" altLang="en-US" dirty="0"/>
@@ -4010,7 +4258,7 @@
             </a:r>
             <a:r>
               <a:rPr lang="en-US" altLang="zh-TW" dirty="0"/>
-              <a:t>12,000,000</a:t>
+              <a:t>12,500,000</a:t>
             </a:r>
             <a:r>
               <a:rPr lang="zh-TW" altLang="en-US" dirty="0"/>
@@ -4030,7 +4278,15 @@
             </a:r>
             <a:r>
               <a:rPr lang="zh-TW" altLang="en-US" dirty="0"/>
-              <a:t>百萬</a:t>
+              <a:t>百</a:t>
+            </a:r>
+            <a:r>
+              <a:rPr lang="en-US" altLang="zh-TW" dirty="0"/>
+              <a:t>5</a:t>
+            </a:r>
+            <a:r>
+              <a:rPr lang="zh-TW" altLang="en-US" dirty="0"/>
+              <a:t>十萬</a:t>
             </a:r>
             <a:r>
               <a:rPr lang="en-US" altLang="zh-TW" dirty="0"/>
@@ -4085,7 +4341,23 @@
                   <a:srgbClr val="FF0000"/>
                 </a:solidFill>
               </a:rPr>
-              <a:t> 百萬字</a:t>
+              <a:t> 百 </a:t>
+            </a:r>
+            <a:r>
+              <a:rPr lang="en-US" altLang="zh-TW" dirty="0">
+                <a:solidFill>
+                  <a:srgbClr val="FF0000"/>
+                </a:solidFill>
+              </a:rPr>
+              <a:t>3</a:t>
+            </a:r>
+            <a:r>
+              <a:rPr lang="zh-TW" altLang="en-US" dirty="0">
+                <a:solidFill>
+                  <a:srgbClr val="FF0000"/>
+                </a:solidFill>
+              </a:rPr>
+              <a:t>十 萬字</a:t>
             </a:r>
             <a:endParaRPr lang="en-US" altLang="zh-TW" dirty="0">
               <a:solidFill>
@@ -4141,7 +4413,23 @@
                   <a:srgbClr val="FF0000"/>
                 </a:solidFill>
               </a:rPr>
-              <a:t> 百萬字</a:t>
+              <a:t> 百 </a:t>
+            </a:r>
+            <a:r>
+              <a:rPr lang="en-US" altLang="zh-TW" dirty="0">
+                <a:solidFill>
+                  <a:srgbClr val="FF0000"/>
+                </a:solidFill>
+              </a:rPr>
+              <a:t>2</a:t>
+            </a:r>
+            <a:r>
+              <a:rPr lang="zh-TW" altLang="en-US" dirty="0">
+                <a:solidFill>
+                  <a:srgbClr val="FF0000"/>
+                </a:solidFill>
+              </a:rPr>
+              <a:t>十 萬字</a:t>
             </a:r>
             <a:endParaRPr lang="en-US" altLang="zh-TW" dirty="0">
               <a:solidFill>
@@ -4956,7 +5244,15 @@
             </a:r>
             <a:r>
               <a:rPr lang="en-US" altLang="zh-TW" dirty="0"/>
-              <a:t>)/3600/24= 50.859 days</a:t>
+              <a:t>)/86400= </a:t>
+            </a:r>
+            <a:r>
+              <a:rPr lang="zh-TW" altLang="en-US" dirty="0"/>
+              <a:t> </a:t>
+            </a:r>
+            <a:r>
+              <a:rPr lang="en-US" altLang="zh-TW" dirty="0"/>
+              <a:t>50.859 days</a:t>
             </a:r>
           </a:p>
           <a:p>
@@ -4982,6 +5278,155 @@
             <a:r>
               <a:rPr lang="en-US" altLang="zh-TW" dirty="0"/>
               <a:t>=           12,577,217 chars</a:t>
+            </a:r>
+            <a:endParaRPr lang="zh-TW" altLang="en-US" dirty="0"/>
+          </a:p>
+        </p:txBody>
+      </p:sp>
+      <p:sp>
+        <p:nvSpPr>
+          <p:cNvPr id="6" name="文字方塊 5">
+            <a:extLst>
+              <a:ext uri="{FF2B5EF4-FFF2-40B4-BE49-F238E27FC236}">
+                <a16:creationId xmlns:a16="http://schemas.microsoft.com/office/drawing/2014/main" id="{5402EDC2-0960-92C6-8523-F4EEBB188B28}"/>
+              </a:ext>
+            </a:extLst>
+          </p:cNvPr>
+          <p:cNvSpPr txBox="1"/>
+          <p:nvPr/>
+        </p:nvSpPr>
+        <p:spPr>
+          <a:xfrm>
+            <a:off x="6686550" y="5244147"/>
+            <a:ext cx="3467100" cy="1477328"/>
+          </a:xfrm>
+          <a:prstGeom prst="rect">
+            <a:avLst/>
+          </a:prstGeom>
+          <a:noFill/>
+        </p:spPr>
+        <p:txBody>
+          <a:bodyPr wrap="square">
+            <a:spAutoFit/>
+          </a:bodyPr>
+          <a:lstStyle/>
+          <a:p>
+            <a:r>
+              <a:rPr lang="en-US" altLang="zh-TW" dirty="0" err="1"/>
+              <a:t>len</a:t>
+            </a:r>
+            <a:r>
+              <a:rPr lang="en-US" altLang="zh-TW" dirty="0"/>
+              <a:t>(</a:t>
+            </a:r>
+            <a:r>
+              <a:rPr lang="en-US" altLang="zh-TW" dirty="0" err="1"/>
+              <a:t>nL</a:t>
+            </a:r>
+            <a:r>
+              <a:rPr lang="en-US" altLang="zh-TW" dirty="0"/>
+              <a:t>)=         2,001 files</a:t>
+            </a:r>
+          </a:p>
+          <a:p>
+            <a:r>
+              <a:rPr lang="en-US" altLang="zh-TW" dirty="0"/>
+              <a:t>sum(</a:t>
+            </a:r>
+            <a:r>
+              <a:rPr lang="en-US" altLang="zh-TW" dirty="0" err="1"/>
+              <a:t>tL</a:t>
+            </a:r>
+            <a:r>
+              <a:rPr lang="en-US" altLang="zh-TW" dirty="0"/>
+              <a:t>)=         4,715,499 seconds</a:t>
+            </a:r>
+          </a:p>
+          <a:p>
+            <a:r>
+              <a:rPr lang="en-US" altLang="zh-TW" dirty="0"/>
+              <a:t>sum(</a:t>
+            </a:r>
+            <a:r>
+              <a:rPr lang="en-US" altLang="zh-TW" dirty="0" err="1"/>
+              <a:t>tL</a:t>
+            </a:r>
+            <a:r>
+              <a:rPr lang="en-US" altLang="zh-TW" dirty="0"/>
+              <a:t>)/3600=    1309.861 hours</a:t>
+            </a:r>
+          </a:p>
+          <a:p>
+            <a:r>
+              <a:rPr lang="en-US" altLang="zh-TW" dirty="0"/>
+              <a:t>sum(</a:t>
+            </a:r>
+            <a:r>
+              <a:rPr lang="en-US" altLang="zh-TW" dirty="0" err="1"/>
+              <a:t>tL</a:t>
+            </a:r>
+            <a:r>
+              <a:rPr lang="en-US" altLang="zh-TW" dirty="0"/>
+              <a:t>)/86400= </a:t>
+            </a:r>
+            <a:r>
+              <a:rPr lang="zh-TW" altLang="en-US" dirty="0"/>
+              <a:t> </a:t>
+            </a:r>
+            <a:r>
+              <a:rPr lang="en-US" altLang="zh-TW" dirty="0"/>
+              <a:t>54.578 days</a:t>
+            </a:r>
+          </a:p>
+          <a:p>
+            <a:r>
+              <a:rPr lang="en-US" altLang="zh-TW" dirty="0" err="1"/>
+              <a:t>numCh</a:t>
+            </a:r>
+            <a:r>
+              <a:rPr lang="en-US" altLang="zh-TW" dirty="0"/>
+              <a:t>=           13,547,712 chars</a:t>
+            </a:r>
+          </a:p>
+        </p:txBody>
+      </p:sp>
+      <p:sp>
+        <p:nvSpPr>
+          <p:cNvPr id="7" name="文字方塊 6">
+            <a:extLst>
+              <a:ext uri="{FF2B5EF4-FFF2-40B4-BE49-F238E27FC236}">
+                <a16:creationId xmlns:a16="http://schemas.microsoft.com/office/drawing/2014/main" id="{AE668BEF-BF72-146C-783E-F44B9C84C6D2}"/>
+              </a:ext>
+            </a:extLst>
+          </p:cNvPr>
+          <p:cNvSpPr txBox="1"/>
+          <p:nvPr/>
+        </p:nvSpPr>
+        <p:spPr>
+          <a:xfrm>
+            <a:off x="4537883" y="5798145"/>
+            <a:ext cx="1853392" cy="369332"/>
+          </a:xfrm>
+          <a:prstGeom prst="rect">
+            <a:avLst/>
+          </a:prstGeom>
+          <a:noFill/>
+        </p:spPr>
+        <p:txBody>
+          <a:bodyPr wrap="none" rtlCol="0">
+            <a:spAutoFit/>
+          </a:bodyPr>
+          <a:lstStyle/>
+          <a:p>
+            <a:r>
+              <a:rPr lang="zh-TW" altLang="en-US" dirty="0"/>
+              <a:t>加上短篇開示 </a:t>
+            </a:r>
+            <a:r>
+              <a:rPr lang="en-US" altLang="zh-TW" dirty="0">
+                <a:sym typeface="Wingdings" panose="05000000000000000000" pitchFamily="2" charset="2"/>
+              </a:rPr>
+              <a:t></a:t>
             </a:r>
             <a:endParaRPr lang="zh-TW" altLang="en-US" dirty="0"/>
           </a:p>

--- a/古嚴寺影音逐字稿.pptx
+++ b/古嚴寺影音逐字稿.pptx
@@ -212,7 +212,7 @@
           <a:p>
             <a:fld id="{6A7574EB-902E-41B9-87A8-AF5C59983E90}" type="datetimeFigureOut">
               <a:rPr lang="zh-TW" altLang="en-US" smtClean="0"/>
-              <a:t>2023/8/10</a:t>
+              <a:t>2023/8/11</a:t>
             </a:fld>
             <a:endParaRPr lang="zh-TW" altLang="en-US"/>
           </a:p>
@@ -626,7 +626,7 @@
           <a:p>
             <a:fld id="{7A803C90-F818-40F0-A55E-99CCE2ADDCA5}" type="datetime1">
               <a:rPr lang="zh-TW" altLang="en-US" smtClean="0"/>
-              <a:t>2023/8/10</a:t>
+              <a:t>2023/8/11</a:t>
             </a:fld>
             <a:endParaRPr lang="zh-TW" altLang="en-US"/>
           </a:p>
@@ -824,7 +824,7 @@
           <a:p>
             <a:fld id="{AE654637-3084-4F81-86D4-5D26B1FD01C2}" type="datetime1">
               <a:rPr lang="zh-TW" altLang="en-US" smtClean="0"/>
-              <a:t>2023/8/10</a:t>
+              <a:t>2023/8/11</a:t>
             </a:fld>
             <a:endParaRPr lang="zh-TW" altLang="en-US"/>
           </a:p>
@@ -1032,7 +1032,7 @@
           <a:p>
             <a:fld id="{70D72076-CACA-4FB7-92A5-F1583B88EBC4}" type="datetime1">
               <a:rPr lang="zh-TW" altLang="en-US" smtClean="0"/>
-              <a:t>2023/8/10</a:t>
+              <a:t>2023/8/11</a:t>
             </a:fld>
             <a:endParaRPr lang="zh-TW" altLang="en-US"/>
           </a:p>
@@ -1230,7 +1230,7 @@
           <a:p>
             <a:fld id="{39A23A82-AD3B-4373-8AE5-EB6A5706FD24}" type="datetime1">
               <a:rPr lang="zh-TW" altLang="en-US" smtClean="0"/>
-              <a:t>2023/8/10</a:t>
+              <a:t>2023/8/11</a:t>
             </a:fld>
             <a:endParaRPr lang="zh-TW" altLang="en-US"/>
           </a:p>
@@ -1505,7 +1505,7 @@
           <a:p>
             <a:fld id="{586312EE-2FA2-4B77-B448-AE78B7932239}" type="datetime1">
               <a:rPr lang="zh-TW" altLang="en-US" smtClean="0"/>
-              <a:t>2023/8/10</a:t>
+              <a:t>2023/8/11</a:t>
             </a:fld>
             <a:endParaRPr lang="zh-TW" altLang="en-US"/>
           </a:p>
@@ -1770,7 +1770,7 @@
           <a:p>
             <a:fld id="{875AF1F2-C880-4246-8E52-8131BAF1E75F}" type="datetime1">
               <a:rPr lang="zh-TW" altLang="en-US" smtClean="0"/>
-              <a:t>2023/8/10</a:t>
+              <a:t>2023/8/11</a:t>
             </a:fld>
             <a:endParaRPr lang="zh-TW" altLang="en-US"/>
           </a:p>
@@ -2182,7 +2182,7 @@
           <a:p>
             <a:fld id="{F44ADA36-1B8C-4A3B-B933-98AAA20C2A3B}" type="datetime1">
               <a:rPr lang="zh-TW" altLang="en-US" smtClean="0"/>
-              <a:t>2023/8/10</a:t>
+              <a:t>2023/8/11</a:t>
             </a:fld>
             <a:endParaRPr lang="zh-TW" altLang="en-US"/>
           </a:p>
@@ -2323,7 +2323,7 @@
           <a:p>
             <a:fld id="{14FA6CB4-53C2-4F7A-9435-C02668BD6656}" type="datetime1">
               <a:rPr lang="zh-TW" altLang="en-US" smtClean="0"/>
-              <a:t>2023/8/10</a:t>
+              <a:t>2023/8/11</a:t>
             </a:fld>
             <a:endParaRPr lang="zh-TW" altLang="en-US"/>
           </a:p>
@@ -2436,7 +2436,7 @@
           <a:p>
             <a:fld id="{E232188F-05DA-42C4-B1BE-248CBD3B705D}" type="datetime1">
               <a:rPr lang="zh-TW" altLang="en-US" smtClean="0"/>
-              <a:t>2023/8/10</a:t>
+              <a:t>2023/8/11</a:t>
             </a:fld>
             <a:endParaRPr lang="zh-TW" altLang="en-US"/>
           </a:p>
@@ -2747,7 +2747,7 @@
           <a:p>
             <a:fld id="{E48569FE-04C3-40FF-AE68-C8C4F17EEBF2}" type="datetime1">
               <a:rPr lang="zh-TW" altLang="en-US" smtClean="0"/>
-              <a:t>2023/8/10</a:t>
+              <a:t>2023/8/11</a:t>
             </a:fld>
             <a:endParaRPr lang="zh-TW" altLang="en-US"/>
           </a:p>
@@ -3035,7 +3035,7 @@
           <a:p>
             <a:fld id="{B10C30B9-DEA7-464E-ACCF-F457559B8DAA}" type="datetime1">
               <a:rPr lang="zh-TW" altLang="en-US" smtClean="0"/>
-              <a:t>2023/8/10</a:t>
+              <a:t>2023/8/11</a:t>
             </a:fld>
             <a:endParaRPr lang="zh-TW" altLang="en-US"/>
           </a:p>
@@ -3276,7 +3276,7 @@
           <a:p>
             <a:fld id="{135B94AF-7C0F-46EA-B86B-23A8DD1D1154}" type="datetime1">
               <a:rPr lang="zh-TW" altLang="en-US" smtClean="0"/>
-              <a:t>2023/8/10</a:t>
+              <a:t>2023/8/11</a:t>
             </a:fld>
             <a:endParaRPr lang="zh-TW" altLang="en-US"/>
           </a:p>
@@ -3976,7 +3976,7 @@
             </a:r>
             <a:r>
               <a:rPr lang="en-US" altLang="zh-TW" dirty="0"/>
-              <a:t>;)</a:t>
+              <a:t>)</a:t>
             </a:r>
             <a:r>
               <a:rPr lang="zh-TW" altLang="en-US" dirty="0"/>
@@ -3987,7 +3987,7 @@
           <a:p>
             <a:r>
               <a:rPr lang="zh-TW" altLang="en-US" dirty="0"/>
-              <a:t>祇桓精舍 </a:t>
+              <a:t>祇桓 精舍 </a:t>
             </a:r>
             <a:r>
               <a:rPr lang="en-US" altLang="zh-TW" dirty="0"/>
@@ -3995,7 +3995,15 @@
             </a:r>
             <a:r>
               <a:rPr lang="en-US" altLang="zh-TW" dirty="0" err="1"/>
-              <a:t>Jetavana-vihāra</a:t>
+              <a:t>Jetavana</a:t>
+            </a:r>
+            <a:r>
+              <a:rPr lang="en-US" altLang="zh-TW" dirty="0"/>
+              <a:t> </a:t>
+            </a:r>
+            <a:r>
+              <a:rPr lang="en-US" altLang="zh-TW" dirty="0" err="1"/>
+              <a:t>vihāra</a:t>
             </a:r>
             <a:r>
               <a:rPr lang="en-US" altLang="zh-TW" dirty="0"/>
@@ -4010,7 +4018,7 @@
           <a:p>
             <a:r>
               <a:rPr lang="zh-TW" altLang="en-US" dirty="0"/>
-              <a:t>與 大比丘 </a:t>
+              <a:t>與 大 比丘 </a:t>
             </a:r>
             <a:r>
               <a:rPr lang="en-US" altLang="zh-TW" dirty="0"/>
@@ -4094,7 +4102,7 @@
         <p:spPr>
           <a:xfrm>
             <a:off x="7812143" y="5855466"/>
-            <a:ext cx="2570897" cy="369332"/>
+            <a:ext cx="2463110" cy="646331"/>
           </a:xfrm>
           <a:prstGeom prst="rect">
             <a:avLst/>
@@ -4113,9 +4121,65 @@
             </a:r>
             <a:r>
               <a:rPr lang="en-US" altLang="zh-TW" dirty="0"/>
-              <a:t>(Bing-Kik / Ming-Ka)</a:t>
-            </a:r>
-            <a:endParaRPr lang="zh-TW" altLang="en-US" dirty="0"/>
+              <a:t>(</a:t>
+            </a:r>
+            <a:r>
+              <a:rPr lang="en-US" altLang="zh-TW" dirty="0" err="1"/>
+              <a:t>biŋ-keh</a:t>
+            </a:r>
+            <a:r>
+              <a:rPr lang="en-US" altLang="zh-TW" dirty="0"/>
+              <a:t> / </a:t>
+            </a:r>
+            <a:r>
+              <a:rPr lang="en-US" altLang="zh-TW" dirty="0" err="1"/>
+              <a:t>miŋ-</a:t>
+            </a:r>
+            <a:r>
+              <a:rPr lang="en-US" altLang="zh-TW" dirty="0" err="1">
+                <a:solidFill>
+                  <a:srgbClr val="202122"/>
+                </a:solidFill>
+                <a:latin typeface="Arial" panose="020B0604020202020204" pitchFamily="34" charset="0"/>
+              </a:rPr>
+              <a:t>k</a:t>
+            </a:r>
+            <a:r>
+              <a:rPr lang="en-US" altLang="zh-TW" b="0" i="0" dirty="0" err="1">
+                <a:solidFill>
+                  <a:srgbClr val="202122"/>
+                </a:solidFill>
+                <a:effectLst/>
+                <a:latin typeface="Arial" panose="020B0604020202020204" pitchFamily="34" charset="0"/>
+              </a:rPr>
+              <a:t>ə</a:t>
+            </a:r>
+            <a:r>
+              <a:rPr lang="en-US" altLang="zh-TW" dirty="0"/>
+              <a:t>)</a:t>
+            </a:r>
+            <a:endParaRPr lang="en-US" altLang="zh-TW" dirty="0">
+              <a:solidFill>
+                <a:schemeClr val="accent1"/>
+              </a:solidFill>
+            </a:endParaRPr>
+          </a:p>
+          <a:p>
+            <a:r>
+              <a:rPr lang="sa-IN" altLang="zh-TW" b="0" i="0" dirty="0">
+                <a:solidFill>
+                  <a:schemeClr val="accent1"/>
+                </a:solidFill>
+                <a:effectLst/>
+                <a:latin typeface="Söhne"/>
+              </a:rPr>
+              <a:t>बिङ्-केः</a:t>
+            </a:r>
+            <a:endParaRPr lang="zh-TW" altLang="en-US" dirty="0">
+              <a:solidFill>
+                <a:schemeClr val="accent1"/>
+              </a:solidFill>
+            </a:endParaRPr>
           </a:p>
         </p:txBody>
       </p:sp>
